--- a/A Comparison of Techniques Applied to Digit Recognition.pptx
+++ b/A Comparison of Techniques Applied to Digit Recognition.pptx
@@ -13,9 +13,13 @@
     <p:sldId id="260" r:id="rId7"/>
     <p:sldId id="261" r:id="rId8"/>
     <p:sldId id="264" r:id="rId9"/>
-    <p:sldId id="262" r:id="rId10"/>
-    <p:sldId id="265" r:id="rId11"/>
-    <p:sldId id="266" r:id="rId12"/>
+    <p:sldId id="270" r:id="rId10"/>
+    <p:sldId id="267" r:id="rId11"/>
+    <p:sldId id="269" r:id="rId12"/>
+    <p:sldId id="268" r:id="rId13"/>
+    <p:sldId id="265" r:id="rId14"/>
+    <p:sldId id="262" r:id="rId15"/>
+    <p:sldId id="266" r:id="rId16"/>
   </p:sldIdLst>
   <p:sldSz cx="12192000" cy="6858000"/>
   <p:notesSz cx="6858000" cy="9144000"/>
@@ -114,11 +118,16 @@
       </a:defRPr>
     </a:lvl9pPr>
   </p:defaultTextStyle>
+  <p:extLst>
+    <p:ext uri="{EFAFB233-063F-42B5-8137-9DF3F51BA10A}">
+      <p15:sldGuideLst xmlns:p15="http://schemas.microsoft.com/office/powerpoint/2012/main"/>
+    </p:ext>
+  </p:extLst>
 </p:presentation>
 </file>
 
 <file path=ppt/charts/chart1.xml><?xml version="1.0" encoding="utf-8"?>
-<c:chartSpace xmlns:c="http://schemas.openxmlformats.org/drawingml/2006/chart" xmlns:a="http://schemas.openxmlformats.org/drawingml/2006/main" xmlns:r="http://schemas.openxmlformats.org/officeDocument/2006/relationships" xmlns:c16r2="http://schemas.microsoft.com/office/drawing/2015/06/chart">
+<c:chartSpace xmlns:c="http://schemas.openxmlformats.org/drawingml/2006/chart" xmlns:a="http://schemas.openxmlformats.org/drawingml/2006/main" xmlns:r="http://schemas.openxmlformats.org/officeDocument/2006/relationships">
   <c:date1904 val="0"/>
   <c:lang val="en-US"/>
   <c:roundedCorners val="0"/>
@@ -161,6 +170,7 @@
           </a:p>
         </c:rich>
       </c:tx>
+      <c:layout/>
       <c:overlay val="0"/>
       <c:spPr>
         <a:noFill/>
@@ -239,12 +249,12 @@
                 <c:formatCode>General</c:formatCode>
                 <c:ptCount val="1"/>
                 <c:pt idx="0">
-                  <c:v>0.14710000000000001</c:v>
+                  <c:v>0.1471</c:v>
                 </c:pt>
               </c:numCache>
             </c:numRef>
           </c:val>
-          <c:extLst>
+          <c:extLst xmlns:c16r2="http://schemas.microsoft.com/office/drawing/2015/06/chart">
             <c:ext xmlns:c16="http://schemas.microsoft.com/office/drawing/2014/chart" uri="{C3380CC4-5D6E-409C-BE32-E72D297353CC}">
               <c16:uniqueId val="{00000000-B1C5-4D7B-BEF7-366B1D364CE2}"/>
             </c:ext>
@@ -292,12 +302,12 @@
                 <c:formatCode>General</c:formatCode>
                 <c:ptCount val="1"/>
                 <c:pt idx="0">
-                  <c:v>0.88649999999999995</c:v>
+                  <c:v>0.8865</c:v>
                 </c:pt>
               </c:numCache>
             </c:numRef>
           </c:val>
-          <c:extLst>
+          <c:extLst xmlns:c16r2="http://schemas.microsoft.com/office/drawing/2015/06/chart">
             <c:ext xmlns:c16="http://schemas.microsoft.com/office/drawing/2014/chart" uri="{C3380CC4-5D6E-409C-BE32-E72D297353CC}">
               <c16:uniqueId val="{00000001-B1C5-4D7B-BEF7-366B1D364CE2}"/>
             </c:ext>
@@ -347,7 +357,7 @@
               </c:numCache>
             </c:numRef>
           </c:val>
-          <c:extLst>
+          <c:extLst xmlns:c16r2="http://schemas.microsoft.com/office/drawing/2015/06/chart">
             <c:ext xmlns:c16="http://schemas.microsoft.com/office/drawing/2014/chart" uri="{C3380CC4-5D6E-409C-BE32-E72D297353CC}">
               <c16:uniqueId val="{00000002-B1C5-4D7B-BEF7-366B1D364CE2}"/>
             </c:ext>
@@ -397,7 +407,7 @@
               </c:numCache>
             </c:numRef>
           </c:val>
-          <c:extLst>
+          <c:extLst xmlns:c16r2="http://schemas.microsoft.com/office/drawing/2015/06/chart">
             <c:ext xmlns:c16="http://schemas.microsoft.com/office/drawing/2014/chart" uri="{C3380CC4-5D6E-409C-BE32-E72D297353CC}">
               <c16:uniqueId val="{00000003-B1C5-4D7B-BEF7-366B1D364CE2}"/>
             </c:ext>
@@ -413,11 +423,11 @@
         </c:dLbls>
         <c:gapWidth val="219"/>
         <c:overlap val="-27"/>
-        <c:axId val="1690880783"/>
-        <c:axId val="1700597983"/>
+        <c:axId val="-124670992"/>
+        <c:axId val="-124668272"/>
       </c:barChart>
       <c:catAx>
-        <c:axId val="1690880783"/>
+        <c:axId val="-124670992"/>
         <c:scaling>
           <c:orientation val="minMax"/>
         </c:scaling>
@@ -460,7 +470,7 @@
             <a:endParaRPr lang="en-US"/>
           </a:p>
         </c:txPr>
-        <c:crossAx val="1700597983"/>
+        <c:crossAx val="-124668272"/>
         <c:crosses val="autoZero"/>
         <c:auto val="1"/>
         <c:lblAlgn val="ctr"/>
@@ -468,7 +478,7 @@
         <c:noMultiLvlLbl val="0"/>
       </c:catAx>
       <c:valAx>
-        <c:axId val="1700597983"/>
+        <c:axId val="-124668272"/>
         <c:scaling>
           <c:orientation val="minMax"/>
         </c:scaling>
@@ -519,7 +529,7 @@
             <a:endParaRPr lang="en-US"/>
           </a:p>
         </c:txPr>
-        <c:crossAx val="1690880783"/>
+        <c:crossAx val="-124670992"/>
         <c:crosses val="autoZero"/>
         <c:crossBetween val="between"/>
       </c:valAx>
@@ -533,6 +543,7 @@
     </c:plotArea>
     <c:legend>
       <c:legendPos val="b"/>
+      <c:layout/>
       <c:overlay val="0"/>
       <c:spPr>
         <a:noFill/>
@@ -590,7 +601,7 @@
 </file>
 
 <file path=ppt/charts/chart2.xml><?xml version="1.0" encoding="utf-8"?>
-<c:chartSpace xmlns:c="http://schemas.openxmlformats.org/drawingml/2006/chart" xmlns:a="http://schemas.openxmlformats.org/drawingml/2006/main" xmlns:r="http://schemas.openxmlformats.org/officeDocument/2006/relationships" xmlns:c16r2="http://schemas.microsoft.com/office/drawing/2015/06/chart">
+<c:chartSpace xmlns:c="http://schemas.openxmlformats.org/drawingml/2006/chart" xmlns:a="http://schemas.openxmlformats.org/drawingml/2006/main" xmlns:r="http://schemas.openxmlformats.org/officeDocument/2006/relationships">
   <c:date1904 val="0"/>
   <c:lang val="en-US"/>
   <c:roundedCorners val="0"/>
@@ -634,6 +645,7 @@
           </a:p>
         </c:rich>
       </c:tx>
+      <c:layout/>
       <c:overlay val="0"/>
       <c:spPr>
         <a:noFill/>
@@ -712,12 +724,12 @@
                 <c:formatCode>General</c:formatCode>
                 <c:ptCount val="1"/>
                 <c:pt idx="0">
-                  <c:v>3.09E-2</c:v>
+                  <c:v>0.0309</c:v>
                 </c:pt>
               </c:numCache>
             </c:numRef>
           </c:val>
-          <c:extLst>
+          <c:extLst xmlns:c16r2="http://schemas.microsoft.com/office/drawing/2015/06/chart">
             <c:ext xmlns:c16="http://schemas.microsoft.com/office/drawing/2014/chart" uri="{C3380CC4-5D6E-409C-BE32-E72D297353CC}">
               <c16:uniqueId val="{00000000-B92B-45DB-AA71-BA1362038DCF}"/>
             </c:ext>
@@ -765,12 +777,12 @@
                 <c:formatCode>General</c:formatCode>
                 <c:ptCount val="1"/>
                 <c:pt idx="0">
-                  <c:v>4.4999999999999998E-2</c:v>
+                  <c:v>0.045</c:v>
                 </c:pt>
               </c:numCache>
             </c:numRef>
           </c:val>
-          <c:extLst>
+          <c:extLst xmlns:c16r2="http://schemas.microsoft.com/office/drawing/2015/06/chart">
             <c:ext xmlns:c16="http://schemas.microsoft.com/office/drawing/2014/chart" uri="{C3380CC4-5D6E-409C-BE32-E72D297353CC}">
               <c16:uniqueId val="{00000001-B92B-45DB-AA71-BA1362038DCF}"/>
             </c:ext>
@@ -820,7 +832,7 @@
               </c:numCache>
             </c:numRef>
           </c:val>
-          <c:extLst>
+          <c:extLst xmlns:c16r2="http://schemas.microsoft.com/office/drawing/2015/06/chart">
             <c:ext xmlns:c16="http://schemas.microsoft.com/office/drawing/2014/chart" uri="{C3380CC4-5D6E-409C-BE32-E72D297353CC}">
               <c16:uniqueId val="{00000002-B92B-45DB-AA71-BA1362038DCF}"/>
             </c:ext>
@@ -836,11 +848,11 @@
         </c:dLbls>
         <c:gapWidth val="219"/>
         <c:overlap val="-27"/>
-        <c:axId val="1692518207"/>
-        <c:axId val="1630556191"/>
+        <c:axId val="-159775104"/>
+        <c:axId val="-159771568"/>
       </c:barChart>
       <c:catAx>
-        <c:axId val="1692518207"/>
+        <c:axId val="-159775104"/>
         <c:scaling>
           <c:orientation val="minMax"/>
         </c:scaling>
@@ -883,7 +895,7 @@
             <a:endParaRPr lang="en-US"/>
           </a:p>
         </c:txPr>
-        <c:crossAx val="1630556191"/>
+        <c:crossAx val="-159771568"/>
         <c:crosses val="autoZero"/>
         <c:auto val="1"/>
         <c:lblAlgn val="ctr"/>
@@ -891,7 +903,7 @@
         <c:noMultiLvlLbl val="0"/>
       </c:catAx>
       <c:valAx>
-        <c:axId val="1630556191"/>
+        <c:axId val="-159771568"/>
         <c:scaling>
           <c:orientation val="minMax"/>
         </c:scaling>
@@ -942,7 +954,7 @@
             <a:endParaRPr lang="en-US"/>
           </a:p>
         </c:txPr>
-        <c:crossAx val="1692518207"/>
+        <c:crossAx val="-159775104"/>
         <c:crosses val="autoZero"/>
         <c:crossBetween val="between"/>
       </c:valAx>
@@ -956,6 +968,7 @@
     </c:plotArea>
     <c:legend>
       <c:legendPos val="b"/>
+      <c:layout/>
       <c:overlay val="0"/>
       <c:spPr>
         <a:noFill/>
@@ -2143,7 +2156,6 @@
               <a:rPr lang="en-US"/>
               <a:t>Click to edit Master title style</a:t>
             </a:r>
-            <a:endParaRPr lang="en-US"/>
           </a:p>
         </p:txBody>
       </p:sp>
@@ -2208,7 +2220,6 @@
               <a:rPr lang="en-US"/>
               <a:t>Click to edit Master subtitle style</a:t>
             </a:r>
-            <a:endParaRPr lang="en-US"/>
           </a:p>
         </p:txBody>
       </p:sp>
@@ -2229,7 +2240,7 @@
           <a:p>
             <a:fld id="{DF0A0AD1-110A-4530-B615-5C0FBD7C2A2E}" type="datetimeFigureOut">
               <a:rPr lang="en-US" smtClean="0"/>
-              <a:t>3/9/2017</a:t>
+              <a:t>3/9/17</a:t>
             </a:fld>
             <a:endParaRPr lang="en-US"/>
           </a:p>
@@ -2326,7 +2337,6 @@
               <a:rPr lang="en-US"/>
               <a:t>Click to edit Master title style</a:t>
             </a:r>
-            <a:endParaRPr lang="en-US"/>
           </a:p>
         </p:txBody>
       </p:sp>
@@ -2378,7 +2388,6 @@
               <a:rPr lang="en-US"/>
               <a:t>Fifth level</a:t>
             </a:r>
-            <a:endParaRPr lang="en-US"/>
           </a:p>
         </p:txBody>
       </p:sp>
@@ -2399,7 +2408,7 @@
           <a:p>
             <a:fld id="{DF0A0AD1-110A-4530-B615-5C0FBD7C2A2E}" type="datetimeFigureOut">
               <a:rPr lang="en-US" smtClean="0"/>
-              <a:t>3/9/2017</a:t>
+              <a:t>3/9/17</a:t>
             </a:fld>
             <a:endParaRPr lang="en-US"/>
           </a:p>
@@ -2501,7 +2510,6 @@
               <a:rPr lang="en-US"/>
               <a:t>Click to edit Master title style</a:t>
             </a:r>
-            <a:endParaRPr lang="en-US"/>
           </a:p>
         </p:txBody>
       </p:sp>
@@ -2558,7 +2566,6 @@
               <a:rPr lang="en-US"/>
               <a:t>Fifth level</a:t>
             </a:r>
-            <a:endParaRPr lang="en-US"/>
           </a:p>
         </p:txBody>
       </p:sp>
@@ -2579,7 +2586,7 @@
           <a:p>
             <a:fld id="{DF0A0AD1-110A-4530-B615-5C0FBD7C2A2E}" type="datetimeFigureOut">
               <a:rPr lang="en-US" smtClean="0"/>
-              <a:t>3/9/2017</a:t>
+              <a:t>3/9/17</a:t>
             </a:fld>
             <a:endParaRPr lang="en-US"/>
           </a:p>
@@ -2676,7 +2683,6 @@
               <a:rPr lang="en-US"/>
               <a:t>Click to edit Master title style</a:t>
             </a:r>
-            <a:endParaRPr lang="en-US"/>
           </a:p>
         </p:txBody>
       </p:sp>
@@ -2728,7 +2734,6 @@
               <a:rPr lang="en-US"/>
               <a:t>Fifth level</a:t>
             </a:r>
-            <a:endParaRPr lang="en-US"/>
           </a:p>
         </p:txBody>
       </p:sp>
@@ -2749,7 +2754,7 @@
           <a:p>
             <a:fld id="{DF0A0AD1-110A-4530-B615-5C0FBD7C2A2E}" type="datetimeFigureOut">
               <a:rPr lang="en-US" smtClean="0"/>
-              <a:t>3/9/2017</a:t>
+              <a:t>3/9/17</a:t>
             </a:fld>
             <a:endParaRPr lang="en-US"/>
           </a:p>
@@ -2855,7 +2860,6 @@
               <a:rPr lang="en-US"/>
               <a:t>Click to edit Master title style</a:t>
             </a:r>
-            <a:endParaRPr lang="en-US"/>
           </a:p>
         </p:txBody>
       </p:sp>
@@ -2995,7 +2999,7 @@
           <a:p>
             <a:fld id="{DF0A0AD1-110A-4530-B615-5C0FBD7C2A2E}" type="datetimeFigureOut">
               <a:rPr lang="en-US" smtClean="0"/>
-              <a:t>3/9/2017</a:t>
+              <a:t>3/9/17</a:t>
             </a:fld>
             <a:endParaRPr lang="en-US"/>
           </a:p>
@@ -3092,7 +3096,6 @@
               <a:rPr lang="en-US"/>
               <a:t>Click to edit Master title style</a:t>
             </a:r>
-            <a:endParaRPr lang="en-US"/>
           </a:p>
         </p:txBody>
       </p:sp>
@@ -3149,7 +3152,6 @@
               <a:rPr lang="en-US"/>
               <a:t>Fifth level</a:t>
             </a:r>
-            <a:endParaRPr lang="en-US"/>
           </a:p>
         </p:txBody>
       </p:sp>
@@ -3206,7 +3208,6 @@
               <a:rPr lang="en-US"/>
               <a:t>Fifth level</a:t>
             </a:r>
-            <a:endParaRPr lang="en-US"/>
           </a:p>
         </p:txBody>
       </p:sp>
@@ -3227,7 +3228,7 @@
           <a:p>
             <a:fld id="{DF0A0AD1-110A-4530-B615-5C0FBD7C2A2E}" type="datetimeFigureOut">
               <a:rPr lang="en-US" smtClean="0"/>
-              <a:t>3/9/2017</a:t>
+              <a:t>3/9/17</a:t>
             </a:fld>
             <a:endParaRPr lang="en-US"/>
           </a:p>
@@ -3329,7 +3330,6 @@
               <a:rPr lang="en-US"/>
               <a:t>Click to edit Master title style</a:t>
             </a:r>
-            <a:endParaRPr lang="en-US"/>
           </a:p>
         </p:txBody>
       </p:sp>
@@ -3451,7 +3451,6 @@
               <a:rPr lang="en-US"/>
               <a:t>Fifth level</a:t>
             </a:r>
-            <a:endParaRPr lang="en-US"/>
           </a:p>
         </p:txBody>
       </p:sp>
@@ -3573,7 +3572,6 @@
               <a:rPr lang="en-US"/>
               <a:t>Fifth level</a:t>
             </a:r>
-            <a:endParaRPr lang="en-US"/>
           </a:p>
         </p:txBody>
       </p:sp>
@@ -3594,7 +3592,7 @@
           <a:p>
             <a:fld id="{DF0A0AD1-110A-4530-B615-5C0FBD7C2A2E}" type="datetimeFigureOut">
               <a:rPr lang="en-US" smtClean="0"/>
-              <a:t>3/9/2017</a:t>
+              <a:t>3/9/17</a:t>
             </a:fld>
             <a:endParaRPr lang="en-US"/>
           </a:p>
@@ -3691,7 +3689,6 @@
               <a:rPr lang="en-US"/>
               <a:t>Click to edit Master title style</a:t>
             </a:r>
-            <a:endParaRPr lang="en-US"/>
           </a:p>
         </p:txBody>
       </p:sp>
@@ -3712,7 +3709,7 @@
           <a:p>
             <a:fld id="{DF0A0AD1-110A-4530-B615-5C0FBD7C2A2E}" type="datetimeFigureOut">
               <a:rPr lang="en-US" smtClean="0"/>
-              <a:t>3/9/2017</a:t>
+              <a:t>3/9/17</a:t>
             </a:fld>
             <a:endParaRPr lang="en-US"/>
           </a:p>
@@ -3807,7 +3804,7 @@
           <a:p>
             <a:fld id="{DF0A0AD1-110A-4530-B615-5C0FBD7C2A2E}" type="datetimeFigureOut">
               <a:rPr lang="en-US" smtClean="0"/>
-              <a:t>3/9/2017</a:t>
+              <a:t>3/9/17</a:t>
             </a:fld>
             <a:endParaRPr lang="en-US"/>
           </a:p>
@@ -3913,7 +3910,6 @@
               <a:rPr lang="en-US"/>
               <a:t>Click to edit Master title style</a:t>
             </a:r>
-            <a:endParaRPr lang="en-US"/>
           </a:p>
         </p:txBody>
       </p:sp>
@@ -3998,7 +3994,6 @@
               <a:rPr lang="en-US"/>
               <a:t>Fifth level</a:t>
             </a:r>
-            <a:endParaRPr lang="en-US"/>
           </a:p>
         </p:txBody>
       </p:sp>
@@ -4084,7 +4079,7 @@
           <a:p>
             <a:fld id="{DF0A0AD1-110A-4530-B615-5C0FBD7C2A2E}" type="datetimeFigureOut">
               <a:rPr lang="en-US" smtClean="0"/>
-              <a:t>3/9/2017</a:t>
+              <a:t>3/9/17</a:t>
             </a:fld>
             <a:endParaRPr lang="en-US"/>
           </a:p>
@@ -4190,7 +4185,6 @@
               <a:rPr lang="en-US"/>
               <a:t>Click to edit Master title style</a:t>
             </a:r>
-            <a:endParaRPr lang="en-US"/>
           </a:p>
         </p:txBody>
       </p:sp>
@@ -4337,7 +4331,7 @@
           <a:p>
             <a:fld id="{DF0A0AD1-110A-4530-B615-5C0FBD7C2A2E}" type="datetimeFigureOut">
               <a:rPr lang="en-US" smtClean="0"/>
-              <a:t>3/9/2017</a:t>
+              <a:t>3/9/17</a:t>
             </a:fld>
             <a:endParaRPr lang="en-US"/>
           </a:p>
@@ -4449,7 +4443,6 @@
               <a:rPr lang="en-US"/>
               <a:t>Click to edit Master title style</a:t>
             </a:r>
-            <a:endParaRPr lang="en-US"/>
           </a:p>
         </p:txBody>
       </p:sp>
@@ -4511,7 +4504,6 @@
               <a:rPr lang="en-US"/>
               <a:t>Fifth level</a:t>
             </a:r>
-            <a:endParaRPr lang="en-US"/>
           </a:p>
         </p:txBody>
       </p:sp>
@@ -4550,7 +4542,7 @@
           <a:p>
             <a:fld id="{DF0A0AD1-110A-4530-B615-5C0FBD7C2A2E}" type="datetimeFigureOut">
               <a:rPr lang="en-US" smtClean="0"/>
-              <a:t>3/9/2017</a:t>
+              <a:t>3/9/17</a:t>
             </a:fld>
             <a:endParaRPr lang="en-US"/>
           </a:p>
@@ -4967,13 +4959,16 @@
         </p:nvSpPr>
         <p:spPr/>
         <p:txBody>
-          <a:bodyPr/>
-          <a:lstStyle/>
-          <a:p>
-            <a:r>
-              <a:rPr lang="en-US" dirty="0"/>
-              <a:t>A Comparison of Techniques Applied to Digit Recognition </a:t>
-            </a:r>
+          <a:bodyPr>
+            <a:normAutofit fontScale="90000"/>
+          </a:bodyPr>
+          <a:lstStyle/>
+          <a:p>
+            <a:r>
+              <a:rPr lang="en-US" dirty="0" smtClean="0"/>
+              <a:t>A Comparison of Classification Techniques Applied to Handwritten Digit Recognition </a:t>
+            </a:r>
+            <a:endParaRPr lang="en-US" dirty="0"/>
           </a:p>
         </p:txBody>
       </p:sp>
@@ -5061,112 +5056,76 @@
           <a:lstStyle/>
           <a:p>
             <a:r>
-              <a:rPr lang="en-US" dirty="0"/>
-              <a:t>Notes</a:t>
-            </a:r>
-          </a:p>
-        </p:txBody>
-      </p:sp>
-      <p:sp>
-        <p:nvSpPr>
-          <p:cNvPr id="3" name="Content Placeholder 2"/>
-          <p:cNvSpPr>
-            <a:spLocks noGrp="1"/>
-          </p:cNvSpPr>
+              <a:rPr lang="en-US" dirty="0" smtClean="0"/>
+              <a:t>Our SVM </a:t>
+            </a:r>
+            <a:endParaRPr lang="en-US" dirty="0"/>
+          </a:p>
+        </p:txBody>
+      </p:sp>
+      <p:pic>
+        <p:nvPicPr>
+          <p:cNvPr id="7" name="Picture 6"/>
+          <p:cNvPicPr>
+            <a:picLocks noChangeAspect="1"/>
+          </p:cNvPicPr>
+          <p:nvPr/>
+        </p:nvPicPr>
+        <p:blipFill>
+          <a:blip r:embed="rId2">
+            <a:extLst>
+              <a:ext uri="{28A0092B-C50C-407E-A947-70E740481C1C}">
+                <a14:useLocalDpi xmlns:a14="http://schemas.microsoft.com/office/drawing/2010/main" val="0"/>
+              </a:ext>
+            </a:extLst>
+          </a:blip>
+          <a:stretch>
+            <a:fillRect/>
+          </a:stretch>
+        </p:blipFill>
+        <p:spPr>
+          <a:xfrm>
+            <a:off x="5291137" y="1363981"/>
+            <a:ext cx="5852160" cy="4389120"/>
+          </a:xfrm>
+          <a:prstGeom prst="rect">
+            <a:avLst/>
+          </a:prstGeom>
+        </p:spPr>
+      </p:pic>
+      <p:pic>
+        <p:nvPicPr>
+          <p:cNvPr id="9" name="Content Placeholder 8"/>
+          <p:cNvPicPr>
+            <a:picLocks noGrp="1" noChangeAspect="1"/>
+          </p:cNvPicPr>
           <p:nvPr>
             <p:ph idx="1"/>
           </p:nvPr>
-        </p:nvSpPr>
-        <p:spPr/>
-        <p:txBody>
-          <a:bodyPr>
-            <a:normAutofit lnSpcReduction="10000"/>
-          </a:bodyPr>
-          <a:lstStyle/>
-          <a:p>
-            <a:r>
-              <a:rPr lang="en-US" dirty="0"/>
-              <a:t>Because of runtime constraints, we limited the model size of:</a:t>
-            </a:r>
-          </a:p>
-          <a:p>
-            <a:pPr lvl="1"/>
-            <a:r>
-              <a:rPr lang="en-US" dirty="0"/>
-              <a:t>Our K-NN implementation</a:t>
-            </a:r>
-          </a:p>
-          <a:p>
-            <a:pPr lvl="2"/>
-            <a:r>
-              <a:rPr lang="en-US" dirty="0"/>
-              <a:t>Gaussian kernel was especially difficult to deal with in terms of runtime</a:t>
-            </a:r>
-          </a:p>
-          <a:p>
-            <a:pPr lvl="1"/>
-            <a:r>
-              <a:rPr lang="en-US" dirty="0"/>
-              <a:t>Baseline SVM runtime is intractable</a:t>
-            </a:r>
-          </a:p>
-          <a:p>
-            <a:pPr lvl="2"/>
-            <a:r>
-              <a:rPr lang="en-US" dirty="0"/>
-              <a:t>Convergence condition seemed difficult to meet, hence training on the entire dataset was infeasible</a:t>
-            </a:r>
-          </a:p>
-          <a:p>
-            <a:r>
-              <a:rPr lang="en-US" dirty="0"/>
-              <a:t>As a result:</a:t>
-            </a:r>
-          </a:p>
-          <a:p>
-            <a:pPr lvl="1"/>
-            <a:r>
-              <a:rPr lang="en-US" dirty="0"/>
-              <a:t>Our K-NN had a higher error than the library implementation</a:t>
-            </a:r>
-          </a:p>
-          <a:p>
-            <a:pPr lvl="1"/>
-            <a:r>
-              <a:rPr lang="en-US" dirty="0" err="1"/>
-              <a:t>SciKit</a:t>
-            </a:r>
-            <a:r>
-              <a:rPr lang="en-US" dirty="0"/>
-              <a:t> SVMs had higher error than our implementations</a:t>
-            </a:r>
-          </a:p>
-          <a:p>
-            <a:r>
-              <a:rPr lang="en-US" dirty="0"/>
-              <a:t>Surprising:</a:t>
-            </a:r>
-          </a:p>
-          <a:p>
-            <a:pPr lvl="1"/>
-            <a:r>
-              <a:rPr lang="en-US" dirty="0"/>
-              <a:t>SVM with a radial basis function kernel did significantly worse than linear SVM</a:t>
-            </a:r>
-          </a:p>
-          <a:p>
-            <a:pPr lvl="1"/>
-            <a:endParaRPr lang="en-US" dirty="0"/>
-          </a:p>
-          <a:p>
-            <a:endParaRPr lang="en-US" dirty="0"/>
-          </a:p>
-        </p:txBody>
-      </p:sp>
+        </p:nvPicPr>
+        <p:blipFill>
+          <a:blip r:embed="rId3">
+            <a:extLst>
+              <a:ext uri="{28A0092B-C50C-407E-A947-70E740481C1C}">
+                <a14:useLocalDpi xmlns:a14="http://schemas.microsoft.com/office/drawing/2010/main" val="0"/>
+              </a:ext>
+            </a:extLst>
+          </a:blip>
+          <a:stretch>
+            <a:fillRect/>
+          </a:stretch>
+        </p:blipFill>
+        <p:spPr>
+          <a:xfrm>
+            <a:off x="0" y="1729741"/>
+            <a:ext cx="5486400" cy="3657600"/>
+          </a:xfrm>
+        </p:spPr>
+      </p:pic>
     </p:spTree>
     <p:extLst>
       <p:ext uri="{BB962C8B-B14F-4D97-AF65-F5344CB8AC3E}">
-        <p14:creationId xmlns:p14="http://schemas.microsoft.com/office/powerpoint/2010/main" val="4021475697"/>
+        <p14:creationId xmlns:p14="http://schemas.microsoft.com/office/powerpoint/2010/main" val="785939939"/>
       </p:ext>
     </p:extLst>
   </p:cSld>
@@ -5209,6 +5168,906 @@
           <a:lstStyle/>
           <a:p>
             <a:r>
+              <a:rPr lang="en-US" dirty="0" smtClean="0"/>
+              <a:t>Our Convolutional Neural Network</a:t>
+            </a:r>
+            <a:endParaRPr lang="en-US" dirty="0"/>
+          </a:p>
+        </p:txBody>
+      </p:sp>
+      <p:sp>
+        <p:nvSpPr>
+          <p:cNvPr id="3" name="Content Placeholder 2"/>
+          <p:cNvSpPr>
+            <a:spLocks noGrp="1"/>
+          </p:cNvSpPr>
+          <p:nvPr>
+            <p:ph idx="1"/>
+          </p:nvPr>
+        </p:nvSpPr>
+        <p:spPr/>
+        <p:txBody>
+          <a:bodyPr/>
+          <a:lstStyle/>
+          <a:p>
+            <a:r>
+              <a:rPr lang="en-US" dirty="0" smtClean="0"/>
+              <a:t>Implemented using </a:t>
+            </a:r>
+            <a:r>
+              <a:rPr lang="en-US" dirty="0" err="1" smtClean="0"/>
+              <a:t>TensorFlow</a:t>
+            </a:r>
+            <a:endParaRPr lang="en-US" dirty="0" smtClean="0"/>
+          </a:p>
+          <a:p>
+            <a:r>
+              <a:rPr lang="en-US" dirty="0" smtClean="0"/>
+              <a:t>Two convolutional layers, one densely connected layer</a:t>
+            </a:r>
+          </a:p>
+          <a:p>
+            <a:r>
+              <a:rPr lang="en-US" dirty="0" smtClean="0"/>
+              <a:t>Uses </a:t>
+            </a:r>
+            <a:r>
+              <a:rPr lang="en-US" dirty="0" err="1" smtClean="0"/>
+              <a:t>ReLU</a:t>
+            </a:r>
+            <a:r>
+              <a:rPr lang="en-US" dirty="0" smtClean="0"/>
+              <a:t> and dropout</a:t>
+            </a:r>
+          </a:p>
+        </p:txBody>
+      </p:sp>
+    </p:spTree>
+    <p:extLst>
+      <p:ext uri="{BB962C8B-B14F-4D97-AF65-F5344CB8AC3E}">
+        <p14:creationId xmlns:p14="http://schemas.microsoft.com/office/powerpoint/2010/main" val="2116283524"/>
+      </p:ext>
+    </p:extLst>
+  </p:cSld>
+  <p:clrMapOvr>
+    <a:masterClrMapping/>
+  </p:clrMapOvr>
+</p:sld>
+</file>
+
+<file path=ppt/slides/slide12.xml><?xml version="1.0" encoding="utf-8"?>
+<p:sld xmlns:a="http://schemas.openxmlformats.org/drawingml/2006/main" xmlns:r="http://schemas.openxmlformats.org/officeDocument/2006/relationships" xmlns:p="http://schemas.openxmlformats.org/presentationml/2006/main">
+  <p:cSld>
+    <p:spTree>
+      <p:nvGrpSpPr>
+        <p:cNvPr id="1" name=""/>
+        <p:cNvGrpSpPr/>
+        <p:nvPr/>
+      </p:nvGrpSpPr>
+      <p:grpSpPr>
+        <a:xfrm>
+          <a:off x="0" y="0"/>
+          <a:ext cx="0" cy="0"/>
+          <a:chOff x="0" y="0"/>
+          <a:chExt cx="0" cy="0"/>
+        </a:xfrm>
+      </p:grpSpPr>
+      <p:sp>
+        <p:nvSpPr>
+          <p:cNvPr id="2" name="Title 1"/>
+          <p:cNvSpPr>
+            <a:spLocks noGrp="1"/>
+          </p:cNvSpPr>
+          <p:nvPr>
+            <p:ph type="title"/>
+          </p:nvPr>
+        </p:nvSpPr>
+        <p:spPr/>
+        <p:txBody>
+          <a:bodyPr/>
+          <a:lstStyle/>
+          <a:p>
+            <a:r>
+              <a:rPr lang="en-US" dirty="0" smtClean="0"/>
+              <a:t>Results</a:t>
+            </a:r>
+            <a:endParaRPr lang="en-US" dirty="0"/>
+          </a:p>
+        </p:txBody>
+      </p:sp>
+      <p:graphicFrame>
+        <p:nvGraphicFramePr>
+          <p:cNvPr id="4" name="Content Placeholder 3"/>
+          <p:cNvGraphicFramePr>
+            <a:graphicFrameLocks noGrp="1"/>
+          </p:cNvGraphicFramePr>
+          <p:nvPr>
+            <p:ph idx="1"/>
+            <p:extLst>
+              <p:ext uri="{D42A27DB-BD31-4B8C-83A1-F6EECF244321}">
+                <p14:modId xmlns:p14="http://schemas.microsoft.com/office/powerpoint/2010/main" val="1222405253"/>
+              </p:ext>
+            </p:extLst>
+          </p:nvPr>
+        </p:nvGraphicFramePr>
+        <p:xfrm>
+          <a:off x="2699215" y="2396753"/>
+          <a:ext cx="6491289" cy="741680"/>
+        </p:xfrm>
+        <a:graphic>
+          <a:graphicData uri="http://schemas.openxmlformats.org/drawingml/2006/table">
+            <a:tbl>
+              <a:tblPr firstRow="1" bandRow="1">
+                <a:tableStyleId>{5C22544A-7EE6-4342-B048-85BDC9FD1C3A}</a:tableStyleId>
+              </a:tblPr>
+              <a:tblGrid>
+                <a:gridCol w="1256882"/>
+                <a:gridCol w="1159298"/>
+                <a:gridCol w="1721381"/>
+                <a:gridCol w="2353728"/>
+              </a:tblGrid>
+              <a:tr h="370840">
+                <a:tc>
+                  <a:txBody>
+                    <a:bodyPr/>
+                    <a:lstStyle/>
+                    <a:p>
+                      <a:endParaRPr lang="en-US" dirty="0"/>
+                    </a:p>
+                  </a:txBody>
+                  <a:tcPr/>
+                </a:tc>
+                <a:tc>
+                  <a:txBody>
+                    <a:bodyPr/>
+                    <a:lstStyle/>
+                    <a:p>
+                      <a:r>
+                        <a:rPr lang="en-US" baseline="0" dirty="0" smtClean="0"/>
+                        <a:t>1-NN</a:t>
+                      </a:r>
+                      <a:endParaRPr lang="en-US" dirty="0"/>
+                    </a:p>
+                  </a:txBody>
+                  <a:tcPr/>
+                </a:tc>
+                <a:tc>
+                  <a:txBody>
+                    <a:bodyPr/>
+                    <a:lstStyle/>
+                    <a:p>
+                      <a:r>
+                        <a:rPr lang="en-US" dirty="0" err="1" smtClean="0"/>
+                        <a:t>Kernelized</a:t>
+                      </a:r>
+                      <a:r>
+                        <a:rPr lang="en-US" dirty="0" smtClean="0"/>
+                        <a:t> 1-NN</a:t>
+                      </a:r>
+                      <a:endParaRPr lang="en-US" dirty="0"/>
+                    </a:p>
+                  </a:txBody>
+                  <a:tcPr/>
+                </a:tc>
+                <a:tc>
+                  <a:txBody>
+                    <a:bodyPr/>
+                    <a:lstStyle/>
+                    <a:p>
+                      <a:r>
+                        <a:rPr lang="en-US" dirty="0" err="1" smtClean="0"/>
+                        <a:t>SciKit</a:t>
+                      </a:r>
+                      <a:endParaRPr lang="en-US" dirty="0"/>
+                    </a:p>
+                  </a:txBody>
+                  <a:tcPr/>
+                </a:tc>
+              </a:tr>
+              <a:tr h="370840">
+                <a:tc>
+                  <a:txBody>
+                    <a:bodyPr/>
+                    <a:lstStyle/>
+                    <a:p>
+                      <a:r>
+                        <a:rPr lang="en-US" dirty="0" smtClean="0"/>
+                        <a:t>Test Error</a:t>
+                      </a:r>
+                      <a:endParaRPr lang="en-US" dirty="0"/>
+                    </a:p>
+                  </a:txBody>
+                  <a:tcPr/>
+                </a:tc>
+                <a:tc>
+                  <a:txBody>
+                    <a:bodyPr/>
+                    <a:lstStyle/>
+                    <a:p>
+                      <a:r>
+                        <a:rPr lang="en-US" dirty="0" smtClean="0"/>
+                        <a:t>4.5%</a:t>
+                      </a:r>
+                      <a:endParaRPr lang="en-US" dirty="0"/>
+                    </a:p>
+                  </a:txBody>
+                  <a:tcPr/>
+                </a:tc>
+                <a:tc>
+                  <a:txBody>
+                    <a:bodyPr/>
+                    <a:lstStyle/>
+                    <a:p>
+                      <a:r>
+                        <a:rPr lang="is-IS" sz="1800" b="0" i="0" kern="1200" dirty="0" smtClean="0">
+                          <a:solidFill>
+                            <a:schemeClr val="dk1"/>
+                          </a:solidFill>
+                          <a:effectLst/>
+                          <a:latin typeface="+mn-lt"/>
+                          <a:ea typeface="+mn-ea"/>
+                          <a:cs typeface="+mn-cs"/>
+                        </a:rPr>
+                        <a:t>4.7%</a:t>
+                      </a:r>
+                      <a:endParaRPr lang="en-US" dirty="0"/>
+                    </a:p>
+                  </a:txBody>
+                  <a:tcPr/>
+                </a:tc>
+                <a:tc>
+                  <a:txBody>
+                    <a:bodyPr/>
+                    <a:lstStyle/>
+                    <a:p>
+                      <a:r>
+                        <a:rPr lang="en-US" dirty="0" smtClean="0"/>
+                        <a:t>3.1%</a:t>
+                      </a:r>
+                      <a:endParaRPr lang="en-US" dirty="0"/>
+                    </a:p>
+                  </a:txBody>
+                  <a:tcPr/>
+                </a:tc>
+              </a:tr>
+            </a:tbl>
+          </a:graphicData>
+        </a:graphic>
+      </p:graphicFrame>
+      <p:sp>
+        <p:nvSpPr>
+          <p:cNvPr id="6" name="TextBox 5"/>
+          <p:cNvSpPr txBox="1"/>
+          <p:nvPr/>
+        </p:nvSpPr>
+        <p:spPr>
+          <a:xfrm>
+            <a:off x="5650645" y="1972137"/>
+            <a:ext cx="603050" cy="369332"/>
+          </a:xfrm>
+          <a:prstGeom prst="rect">
+            <a:avLst/>
+          </a:prstGeom>
+          <a:noFill/>
+        </p:spPr>
+        <p:txBody>
+          <a:bodyPr wrap="none" rtlCol="0">
+            <a:spAutoFit/>
+          </a:bodyPr>
+          <a:lstStyle/>
+          <a:p>
+            <a:r>
+              <a:rPr lang="en-US" dirty="0" smtClean="0"/>
+              <a:t>KNN</a:t>
+            </a:r>
+            <a:endParaRPr lang="en-US" dirty="0"/>
+          </a:p>
+        </p:txBody>
+      </p:sp>
+      <p:sp>
+        <p:nvSpPr>
+          <p:cNvPr id="7" name="TextBox 6"/>
+          <p:cNvSpPr txBox="1"/>
+          <p:nvPr/>
+        </p:nvSpPr>
+        <p:spPr>
+          <a:xfrm>
+            <a:off x="5636025" y="3305120"/>
+            <a:ext cx="617670" cy="369332"/>
+          </a:xfrm>
+          <a:prstGeom prst="rect">
+            <a:avLst/>
+          </a:prstGeom>
+          <a:noFill/>
+        </p:spPr>
+        <p:txBody>
+          <a:bodyPr wrap="none" rtlCol="0">
+            <a:spAutoFit/>
+          </a:bodyPr>
+          <a:lstStyle/>
+          <a:p>
+            <a:r>
+              <a:rPr lang="en-US" dirty="0" smtClean="0"/>
+              <a:t>SVM</a:t>
+            </a:r>
+            <a:endParaRPr lang="en-US" dirty="0"/>
+          </a:p>
+        </p:txBody>
+      </p:sp>
+      <p:graphicFrame>
+        <p:nvGraphicFramePr>
+          <p:cNvPr id="8" name="Table 7"/>
+          <p:cNvGraphicFramePr>
+            <a:graphicFrameLocks noGrp="1"/>
+          </p:cNvGraphicFramePr>
+          <p:nvPr>
+            <p:extLst>
+              <p:ext uri="{D42A27DB-BD31-4B8C-83A1-F6EECF244321}">
+                <p14:modId xmlns:p14="http://schemas.microsoft.com/office/powerpoint/2010/main" val="1971378617"/>
+              </p:ext>
+            </p:extLst>
+          </p:nvPr>
+        </p:nvGraphicFramePr>
+        <p:xfrm>
+          <a:off x="1770529" y="3728309"/>
+          <a:ext cx="8348663" cy="741680"/>
+        </p:xfrm>
+        <a:graphic>
+          <a:graphicData uri="http://schemas.openxmlformats.org/drawingml/2006/table">
+            <a:tbl>
+              <a:tblPr firstRow="1" bandRow="1">
+                <a:tableStyleId>{5C22544A-7EE6-4342-B048-85BDC9FD1C3A}</a:tableStyleId>
+              </a:tblPr>
+              <a:tblGrid>
+                <a:gridCol w="1145716"/>
+                <a:gridCol w="1281889"/>
+                <a:gridCol w="1436841"/>
+                <a:gridCol w="1704487"/>
+                <a:gridCol w="1380495"/>
+                <a:gridCol w="1399235"/>
+              </a:tblGrid>
+              <a:tr h="370840">
+                <a:tc>
+                  <a:txBody>
+                    <a:bodyPr/>
+                    <a:lstStyle/>
+                    <a:p>
+                      <a:endParaRPr lang="en-US" dirty="0"/>
+                    </a:p>
+                  </a:txBody>
+                  <a:tcPr/>
+                </a:tc>
+                <a:tc>
+                  <a:txBody>
+                    <a:bodyPr/>
+                    <a:lstStyle/>
+                    <a:p>
+                      <a:r>
+                        <a:rPr lang="en-US" dirty="0" smtClean="0"/>
+                        <a:t>SGD</a:t>
+                      </a:r>
+                      <a:endParaRPr lang="en-US" dirty="0"/>
+                    </a:p>
+                  </a:txBody>
+                  <a:tcPr/>
+                </a:tc>
+                <a:tc>
+                  <a:txBody>
+                    <a:bodyPr/>
+                    <a:lstStyle/>
+                    <a:p>
+                      <a:r>
+                        <a:rPr lang="en-US" dirty="0" smtClean="0"/>
+                        <a:t>PEGASOS</a:t>
+                      </a:r>
+                      <a:endParaRPr lang="en-US" dirty="0"/>
+                    </a:p>
+                  </a:txBody>
+                  <a:tcPr/>
+                </a:tc>
+                <a:tc>
+                  <a:txBody>
+                    <a:bodyPr/>
+                    <a:lstStyle/>
+                    <a:p>
+                      <a:r>
+                        <a:rPr lang="en-US" dirty="0" smtClean="0"/>
+                        <a:t>PEGASOS</a:t>
+                      </a:r>
+                      <a:r>
+                        <a:rPr lang="en-US" baseline="0" dirty="0" smtClean="0"/>
+                        <a:t> + RFF</a:t>
+                      </a:r>
+                      <a:endParaRPr lang="en-US" dirty="0"/>
+                    </a:p>
+                  </a:txBody>
+                  <a:tcPr/>
+                </a:tc>
+                <a:tc>
+                  <a:txBody>
+                    <a:bodyPr/>
+                    <a:lstStyle/>
+                    <a:p>
+                      <a:r>
+                        <a:rPr lang="en-US" dirty="0" err="1" smtClean="0"/>
+                        <a:t>SciKit</a:t>
+                      </a:r>
+                      <a:r>
+                        <a:rPr lang="en-US" dirty="0" smtClean="0"/>
+                        <a:t> </a:t>
+                      </a:r>
+                      <a:r>
+                        <a:rPr lang="en-US" dirty="0" smtClean="0"/>
+                        <a:t>Linear</a:t>
+                      </a:r>
+                      <a:endParaRPr lang="en-US" dirty="0"/>
+                    </a:p>
+                  </a:txBody>
+                  <a:tcPr/>
+                </a:tc>
+                <a:tc>
+                  <a:txBody>
+                    <a:bodyPr/>
+                    <a:lstStyle/>
+                    <a:p>
+                      <a:r>
+                        <a:rPr lang="en-US" baseline="0" dirty="0" err="1" smtClean="0"/>
+                        <a:t>SciKit</a:t>
+                      </a:r>
+                      <a:r>
+                        <a:rPr lang="en-US" baseline="0" dirty="0" smtClean="0"/>
+                        <a:t> RBF</a:t>
+                      </a:r>
+                      <a:endParaRPr lang="en-US" dirty="0"/>
+                    </a:p>
+                  </a:txBody>
+                  <a:tcPr/>
+                </a:tc>
+              </a:tr>
+              <a:tr h="370840">
+                <a:tc>
+                  <a:txBody>
+                    <a:bodyPr/>
+                    <a:lstStyle/>
+                    <a:p>
+                      <a:r>
+                        <a:rPr lang="en-US" dirty="0" smtClean="0"/>
+                        <a:t>Test Error</a:t>
+                      </a:r>
+                      <a:endParaRPr lang="en-US" dirty="0"/>
+                    </a:p>
+                  </a:txBody>
+                  <a:tcPr/>
+                </a:tc>
+                <a:tc>
+                  <a:txBody>
+                    <a:bodyPr/>
+                    <a:lstStyle/>
+                    <a:p>
+                      <a:r>
+                        <a:rPr lang="en-US" dirty="0" smtClean="0"/>
+                        <a:t>10%</a:t>
+                      </a:r>
+                      <a:endParaRPr lang="en-US" dirty="0"/>
+                    </a:p>
+                  </a:txBody>
+                  <a:tcPr/>
+                </a:tc>
+                <a:tc>
+                  <a:txBody>
+                    <a:bodyPr/>
+                    <a:lstStyle/>
+                    <a:p>
+                      <a:r>
+                        <a:rPr lang="en-US" smtClean="0"/>
+                        <a:t>9%</a:t>
+                      </a:r>
+                      <a:endParaRPr lang="en-US" dirty="0"/>
+                    </a:p>
+                  </a:txBody>
+                  <a:tcPr/>
+                </a:tc>
+                <a:tc>
+                  <a:txBody>
+                    <a:bodyPr/>
+                    <a:lstStyle/>
+                    <a:p>
+                      <a:r>
+                        <a:rPr lang="en-US" dirty="0" smtClean="0"/>
+                        <a:t>88%</a:t>
+                      </a:r>
+                      <a:endParaRPr lang="en-US" dirty="0"/>
+                    </a:p>
+                  </a:txBody>
+                  <a:tcPr/>
+                </a:tc>
+                <a:tc>
+                  <a:txBody>
+                    <a:bodyPr/>
+                    <a:lstStyle/>
+                    <a:p>
+                      <a:r>
+                        <a:rPr lang="en-US" dirty="0" smtClean="0"/>
+                        <a:t>15%</a:t>
+                      </a:r>
+                      <a:endParaRPr lang="en-US" dirty="0"/>
+                    </a:p>
+                  </a:txBody>
+                  <a:tcPr/>
+                </a:tc>
+                <a:tc>
+                  <a:txBody>
+                    <a:bodyPr/>
+                    <a:lstStyle/>
+                    <a:p>
+                      <a:r>
+                        <a:rPr lang="en-US" dirty="0" smtClean="0"/>
+                        <a:t>89%</a:t>
+                      </a:r>
+                      <a:endParaRPr lang="en-US" dirty="0"/>
+                    </a:p>
+                  </a:txBody>
+                  <a:tcPr/>
+                </a:tc>
+              </a:tr>
+            </a:tbl>
+          </a:graphicData>
+        </a:graphic>
+      </p:graphicFrame>
+      <p:sp>
+        <p:nvSpPr>
+          <p:cNvPr id="12" name="TextBox 11"/>
+          <p:cNvSpPr txBox="1"/>
+          <p:nvPr/>
+        </p:nvSpPr>
+        <p:spPr>
+          <a:xfrm>
+            <a:off x="4823077" y="5059865"/>
+            <a:ext cx="2243563" cy="369332"/>
+          </a:xfrm>
+          <a:prstGeom prst="rect">
+            <a:avLst/>
+          </a:prstGeom>
+          <a:noFill/>
+        </p:spPr>
+        <p:txBody>
+          <a:bodyPr wrap="none" rtlCol="0">
+            <a:spAutoFit/>
+          </a:bodyPr>
+          <a:lstStyle/>
+          <a:p>
+            <a:r>
+              <a:rPr lang="en-US" smtClean="0"/>
+              <a:t>CNN: 0.08% Test Error</a:t>
+            </a:r>
+          </a:p>
+        </p:txBody>
+      </p:sp>
+    </p:spTree>
+    <p:extLst>
+      <p:ext uri="{BB962C8B-B14F-4D97-AF65-F5344CB8AC3E}">
+        <p14:creationId xmlns:p14="http://schemas.microsoft.com/office/powerpoint/2010/main" val="641505570"/>
+      </p:ext>
+    </p:extLst>
+  </p:cSld>
+  <p:clrMapOvr>
+    <a:masterClrMapping/>
+  </p:clrMapOvr>
+</p:sld>
+</file>
+
+<file path=ppt/slides/slide13.xml><?xml version="1.0" encoding="utf-8"?>
+<p:sld xmlns:a="http://schemas.openxmlformats.org/drawingml/2006/main" xmlns:r="http://schemas.openxmlformats.org/officeDocument/2006/relationships" xmlns:p="http://schemas.openxmlformats.org/presentationml/2006/main">
+  <p:cSld>
+    <p:spTree>
+      <p:nvGrpSpPr>
+        <p:cNvPr id="1" name=""/>
+        <p:cNvGrpSpPr/>
+        <p:nvPr/>
+      </p:nvGrpSpPr>
+      <p:grpSpPr>
+        <a:xfrm>
+          <a:off x="0" y="0"/>
+          <a:ext cx="0" cy="0"/>
+          <a:chOff x="0" y="0"/>
+          <a:chExt cx="0" cy="0"/>
+        </a:xfrm>
+      </p:grpSpPr>
+      <p:sp>
+        <p:nvSpPr>
+          <p:cNvPr id="2" name="Title 1"/>
+          <p:cNvSpPr>
+            <a:spLocks noGrp="1"/>
+          </p:cNvSpPr>
+          <p:nvPr>
+            <p:ph type="title"/>
+          </p:nvPr>
+        </p:nvSpPr>
+        <p:spPr/>
+        <p:txBody>
+          <a:bodyPr/>
+          <a:lstStyle/>
+          <a:p>
+            <a:r>
+              <a:rPr lang="en-US" dirty="0" smtClean="0"/>
+              <a:t>Concluding Notes</a:t>
+            </a:r>
+            <a:endParaRPr lang="en-US" dirty="0"/>
+          </a:p>
+        </p:txBody>
+      </p:sp>
+      <p:sp>
+        <p:nvSpPr>
+          <p:cNvPr id="3" name="Content Placeholder 2"/>
+          <p:cNvSpPr>
+            <a:spLocks noGrp="1"/>
+          </p:cNvSpPr>
+          <p:nvPr>
+            <p:ph idx="1"/>
+          </p:nvPr>
+        </p:nvSpPr>
+        <p:spPr/>
+        <p:txBody>
+          <a:bodyPr>
+            <a:normAutofit fontScale="92500" lnSpcReduction="10000"/>
+          </a:bodyPr>
+          <a:lstStyle/>
+          <a:p>
+            <a:r>
+              <a:rPr lang="en-US" dirty="0"/>
+              <a:t>Because of runtime constraints, we limited the model size of:</a:t>
+            </a:r>
+          </a:p>
+          <a:p>
+            <a:pPr lvl="1"/>
+            <a:r>
+              <a:rPr lang="en-US" dirty="0"/>
+              <a:t>Our K-NN implementation</a:t>
+            </a:r>
+          </a:p>
+          <a:p>
+            <a:pPr lvl="2"/>
+            <a:r>
+              <a:rPr lang="en-US" dirty="0"/>
+              <a:t>Gaussian kernel was especially difficult to deal with in terms of runtime</a:t>
+            </a:r>
+          </a:p>
+          <a:p>
+            <a:pPr lvl="1"/>
+            <a:r>
+              <a:rPr lang="en-US" dirty="0"/>
+              <a:t>Baseline SVM runtime is intractable</a:t>
+            </a:r>
+          </a:p>
+          <a:p>
+            <a:pPr lvl="2"/>
+            <a:r>
+              <a:rPr lang="en-US" dirty="0"/>
+              <a:t>Convergence condition seemed difficult to meet, hence training on the entire dataset was infeasible</a:t>
+            </a:r>
+          </a:p>
+          <a:p>
+            <a:r>
+              <a:rPr lang="en-US" dirty="0"/>
+              <a:t>As a result:</a:t>
+            </a:r>
+          </a:p>
+          <a:p>
+            <a:pPr lvl="1"/>
+            <a:r>
+              <a:rPr lang="en-US" dirty="0"/>
+              <a:t>Our K-NN had a higher error than the library implementation</a:t>
+            </a:r>
+          </a:p>
+          <a:p>
+            <a:pPr lvl="1"/>
+            <a:r>
+              <a:rPr lang="en-US" dirty="0" err="1"/>
+              <a:t>SciKit</a:t>
+            </a:r>
+            <a:r>
+              <a:rPr lang="en-US" dirty="0"/>
+              <a:t> SVMs had higher error than our implementations</a:t>
+            </a:r>
+          </a:p>
+          <a:p>
+            <a:r>
+              <a:rPr lang="en-US" dirty="0"/>
+              <a:t>Surprising:</a:t>
+            </a:r>
+          </a:p>
+          <a:p>
+            <a:pPr lvl="1"/>
+            <a:r>
+              <a:rPr lang="en-US" dirty="0"/>
+              <a:t>SVM with a </a:t>
+            </a:r>
+            <a:r>
+              <a:rPr lang="en-US" dirty="0" smtClean="0"/>
+              <a:t>RBF kernel </a:t>
+            </a:r>
+            <a:r>
+              <a:rPr lang="en-US" dirty="0"/>
+              <a:t>did significantly worse than linear </a:t>
+            </a:r>
+            <a:r>
+              <a:rPr lang="en-US" dirty="0" smtClean="0"/>
+              <a:t>SVM</a:t>
+            </a:r>
+          </a:p>
+          <a:p>
+            <a:pPr lvl="1"/>
+            <a:r>
+              <a:rPr lang="en-US" dirty="0"/>
+              <a:t>Investigate how </a:t>
+            </a:r>
+            <a:r>
+              <a:rPr lang="en-US" dirty="0" err="1"/>
+              <a:t>Maji</a:t>
+            </a:r>
+            <a:r>
+              <a:rPr lang="en-US" dirty="0"/>
+              <a:t> and Malik utilized the RBF kernel</a:t>
+            </a:r>
+          </a:p>
+          <a:p>
+            <a:pPr lvl="1"/>
+            <a:endParaRPr lang="en-US" dirty="0"/>
+          </a:p>
+          <a:p>
+            <a:pPr lvl="1"/>
+            <a:endParaRPr lang="en-US" dirty="0"/>
+          </a:p>
+          <a:p>
+            <a:endParaRPr lang="en-US" dirty="0"/>
+          </a:p>
+        </p:txBody>
+      </p:sp>
+    </p:spTree>
+    <p:extLst>
+      <p:ext uri="{BB962C8B-B14F-4D97-AF65-F5344CB8AC3E}">
+        <p14:creationId xmlns:p14="http://schemas.microsoft.com/office/powerpoint/2010/main" val="4021475697"/>
+      </p:ext>
+    </p:extLst>
+  </p:cSld>
+  <p:clrMapOvr>
+    <a:masterClrMapping/>
+  </p:clrMapOvr>
+</p:sld>
+</file>
+
+<file path=ppt/slides/slide14.xml><?xml version="1.0" encoding="utf-8"?>
+<p:sld xmlns:a="http://schemas.openxmlformats.org/drawingml/2006/main" xmlns:r="http://schemas.openxmlformats.org/officeDocument/2006/relationships" xmlns:p="http://schemas.openxmlformats.org/presentationml/2006/main">
+  <p:cSld>
+    <p:spTree>
+      <p:nvGrpSpPr>
+        <p:cNvPr id="1" name=""/>
+        <p:cNvGrpSpPr/>
+        <p:nvPr/>
+      </p:nvGrpSpPr>
+      <p:grpSpPr>
+        <a:xfrm>
+          <a:off x="0" y="0"/>
+          <a:ext cx="0" cy="0"/>
+          <a:chOff x="0" y="0"/>
+          <a:chExt cx="0" cy="0"/>
+        </a:xfrm>
+      </p:grpSpPr>
+      <p:sp>
+        <p:nvSpPr>
+          <p:cNvPr id="2" name="Title 1"/>
+          <p:cNvSpPr>
+            <a:spLocks noGrp="1"/>
+          </p:cNvSpPr>
+          <p:nvPr>
+            <p:ph type="title"/>
+          </p:nvPr>
+        </p:nvSpPr>
+        <p:spPr/>
+        <p:txBody>
+          <a:bodyPr/>
+          <a:lstStyle/>
+          <a:p>
+            <a:r>
+              <a:rPr lang="en-US" dirty="0"/>
+              <a:t>Test Error</a:t>
+            </a:r>
+          </a:p>
+        </p:txBody>
+      </p:sp>
+      <p:graphicFrame>
+        <p:nvGraphicFramePr>
+          <p:cNvPr id="13" name="Content Placeholder 12"/>
+          <p:cNvGraphicFramePr>
+            <a:graphicFrameLocks noGrp="1"/>
+          </p:cNvGraphicFramePr>
+          <p:nvPr>
+            <p:ph idx="1"/>
+            <p:extLst>
+              <p:ext uri="{D42A27DB-BD31-4B8C-83A1-F6EECF244321}">
+                <p14:modId xmlns:p14="http://schemas.microsoft.com/office/powerpoint/2010/main" val="345500807"/>
+              </p:ext>
+            </p:extLst>
+          </p:nvPr>
+        </p:nvGraphicFramePr>
+        <p:xfrm>
+          <a:off x="838200" y="1539240"/>
+          <a:ext cx="2956560" cy="4637722"/>
+        </p:xfrm>
+        <a:graphic>
+          <a:graphicData uri="http://schemas.openxmlformats.org/drawingml/2006/chart">
+            <c:chart xmlns:c="http://schemas.openxmlformats.org/drawingml/2006/chart" xmlns:r="http://schemas.openxmlformats.org/officeDocument/2006/relationships" r:id="rId2"/>
+          </a:graphicData>
+        </a:graphic>
+      </p:graphicFrame>
+      <p:graphicFrame>
+        <p:nvGraphicFramePr>
+          <p:cNvPr id="16" name="Chart 15"/>
+          <p:cNvGraphicFramePr/>
+          <p:nvPr>
+            <p:extLst>
+              <p:ext uri="{D42A27DB-BD31-4B8C-83A1-F6EECF244321}">
+                <p14:modId xmlns:p14="http://schemas.microsoft.com/office/powerpoint/2010/main" val="1848590361"/>
+              </p:ext>
+            </p:extLst>
+          </p:nvPr>
+        </p:nvGraphicFramePr>
+        <p:xfrm>
+          <a:off x="3794760" y="1690688"/>
+          <a:ext cx="3901440" cy="4583853"/>
+        </p:xfrm>
+        <a:graphic>
+          <a:graphicData uri="http://schemas.openxmlformats.org/drawingml/2006/chart">
+            <c:chart xmlns:c="http://schemas.openxmlformats.org/drawingml/2006/chart" xmlns:r="http://schemas.openxmlformats.org/officeDocument/2006/relationships" r:id="rId3"/>
+          </a:graphicData>
+        </a:graphic>
+      </p:graphicFrame>
+    </p:spTree>
+    <p:extLst>
+      <p:ext uri="{BB962C8B-B14F-4D97-AF65-F5344CB8AC3E}">
+        <p14:creationId xmlns:p14="http://schemas.microsoft.com/office/powerpoint/2010/main" val="549368357"/>
+      </p:ext>
+    </p:extLst>
+  </p:cSld>
+  <p:clrMapOvr>
+    <a:masterClrMapping/>
+  </p:clrMapOvr>
+</p:sld>
+</file>
+
+<file path=ppt/slides/slide15.xml><?xml version="1.0" encoding="utf-8"?>
+<p:sld xmlns:a="http://schemas.openxmlformats.org/drawingml/2006/main" xmlns:r="http://schemas.openxmlformats.org/officeDocument/2006/relationships" xmlns:p="http://schemas.openxmlformats.org/presentationml/2006/main">
+  <p:cSld>
+    <p:spTree>
+      <p:nvGrpSpPr>
+        <p:cNvPr id="1" name=""/>
+        <p:cNvGrpSpPr/>
+        <p:nvPr/>
+      </p:nvGrpSpPr>
+      <p:grpSpPr>
+        <a:xfrm>
+          <a:off x="0" y="0"/>
+          <a:ext cx="0" cy="0"/>
+          <a:chOff x="0" y="0"/>
+          <a:chExt cx="0" cy="0"/>
+        </a:xfrm>
+      </p:grpSpPr>
+      <p:sp>
+        <p:nvSpPr>
+          <p:cNvPr id="2" name="Title 1"/>
+          <p:cNvSpPr>
+            <a:spLocks noGrp="1"/>
+          </p:cNvSpPr>
+          <p:nvPr>
+            <p:ph type="title"/>
+          </p:nvPr>
+        </p:nvSpPr>
+        <p:spPr/>
+        <p:txBody>
+          <a:bodyPr/>
+          <a:lstStyle/>
+          <a:p>
+            <a:r>
               <a:rPr lang="en-US" dirty="0"/>
               <a:t>For Deric:</a:t>
             </a:r>
@@ -5249,13 +6108,12 @@
           </a:p>
           <a:p>
             <a:r>
-              <a:rPr lang="en-US"/>
+              <a:rPr lang="en-US" dirty="0"/>
               <a:t>Library SVM Linear: 0.1471</a:t>
             </a:r>
-            <a:endParaRPr lang="en-US"/>
-          </a:p>
-          <a:p>
-            <a:endParaRPr lang="en-US"/>
+          </a:p>
+          <a:p>
+            <a:endParaRPr lang="en-US" dirty="0"/>
           </a:p>
         </p:txBody>
       </p:sp>
@@ -5328,8 +6186,21 @@
           <a:p>
             <a:r>
               <a:rPr lang="en-US" dirty="0"/>
-              <a:t>Our project intended to implement and compare three different techniques – nearest neighbor regression, support vector machines, and convolutional neural networks – and their performance in classifying pixel data vectors into the digits that they represent.</a:t>
-            </a:r>
+              <a:t>Our project intended to implement and compare three different techniques </a:t>
+            </a:r>
+            <a:r>
+              <a:rPr lang="en-US" dirty="0" smtClean="0"/>
+              <a:t>– k-nearest </a:t>
+            </a:r>
+            <a:r>
+              <a:rPr lang="en-US" dirty="0"/>
+              <a:t>neighbor regression, support vector machines, and convolutional neural networks – and their performance in </a:t>
+            </a:r>
+            <a:r>
+              <a:rPr lang="en-US" dirty="0" smtClean="0"/>
+              <a:t>classifying handwritten digits.</a:t>
+            </a:r>
+            <a:endParaRPr lang="en-US" dirty="0"/>
           </a:p>
         </p:txBody>
       </p:sp>
@@ -5398,7 +6269,7 @@
         <p:spPr/>
         <p:txBody>
           <a:bodyPr>
-            <a:normAutofit lnSpcReduction="10000"/>
+            <a:normAutofit/>
           </a:bodyPr>
           <a:lstStyle/>
           <a:p>
@@ -5411,55 +6282,87 @@
             <a:pPr lvl="1"/>
             <a:r>
               <a:rPr lang="en-US" dirty="0"/>
-              <a:t>60000 rows of pixel data that is already normalized</a:t>
-            </a:r>
+              <a:t>60000 </a:t>
+            </a:r>
+            <a:r>
+              <a:rPr lang="en-US" dirty="0" smtClean="0"/>
+              <a:t>images represented as vectors.</a:t>
+            </a:r>
+            <a:endParaRPr lang="en-US" dirty="0"/>
           </a:p>
           <a:p>
             <a:pPr lvl="1"/>
             <a:r>
               <a:rPr lang="en-US" dirty="0"/>
-              <a:t>Each row has 1 label and 783 pixel features</a:t>
-            </a:r>
+              <a:t>Each </a:t>
+            </a:r>
+            <a:r>
+              <a:rPr lang="en-US" dirty="0" smtClean="0"/>
+              <a:t>vector has 1 </a:t>
+            </a:r>
+            <a:r>
+              <a:rPr lang="en-US" dirty="0"/>
+              <a:t>label and 783 pixel </a:t>
+            </a:r>
+            <a:r>
+              <a:rPr lang="en-US" dirty="0" smtClean="0"/>
+              <a:t>features.</a:t>
+            </a:r>
+            <a:endParaRPr lang="en-US" dirty="0"/>
           </a:p>
           <a:p>
             <a:pPr lvl="1"/>
             <a:r>
               <a:rPr lang="en-US" dirty="0"/>
-              <a:t>Final model built either from this set in its entirety, or from a subset of it depending on algorithm</a:t>
-            </a:r>
-          </a:p>
-          <a:p>
+              <a:t>Final model built either from this set in its entirety, or from a subset of it depending on </a:t>
+            </a:r>
+            <a:r>
+              <a:rPr lang="en-US" dirty="0" smtClean="0"/>
+              <a:t>algorithm.</a:t>
+            </a:r>
+            <a:endParaRPr lang="en-US" dirty="0"/>
+          </a:p>
+          <a:p>
+            <a:r>
+              <a:rPr lang="en-US" dirty="0" smtClean="0"/>
+              <a:t>Test </a:t>
+            </a:r>
             <a:r>
               <a:rPr lang="en-US" dirty="0"/>
-              <a:t>Cross-Validation</a:t>
+              <a:t>Set</a:t>
             </a:r>
           </a:p>
           <a:p>
             <a:pPr lvl="1"/>
             <a:r>
               <a:rPr lang="en-US" dirty="0"/>
-              <a:t>A 2000 row block from the training set was segmented into validation blocks and iterated over to tune hyperparameters</a:t>
-            </a:r>
-          </a:p>
-          <a:p>
+              <a:t>10000 </a:t>
+            </a:r>
+            <a:r>
+              <a:rPr lang="en-US" dirty="0" smtClean="0"/>
+              <a:t>images represented as vectors.</a:t>
+            </a:r>
+            <a:endParaRPr lang="en-US" dirty="0"/>
+          </a:p>
+          <a:p>
+            <a:pPr lvl="1"/>
             <a:r>
               <a:rPr lang="en-US" dirty="0"/>
-              <a:t>Test Set</a:t>
-            </a:r>
-          </a:p>
-          <a:p>
-            <a:pPr lvl="1"/>
+              <a:t>Each </a:t>
+            </a:r>
+            <a:r>
+              <a:rPr lang="en-US" dirty="0" smtClean="0"/>
+              <a:t>vector has </a:t>
+            </a:r>
             <a:r>
               <a:rPr lang="en-US" dirty="0"/>
-              <a:t>10000 rows of pixel data that is already normalized</a:t>
-            </a:r>
-          </a:p>
-          <a:p>
-            <a:pPr lvl="1"/>
-            <a:r>
-              <a:rPr lang="en-US" dirty="0"/>
-              <a:t>Each row has 1 label and 783 pixel features</a:t>
-            </a:r>
+              <a:t>1 label and 783 pixel </a:t>
+            </a:r>
+            <a:r>
+              <a:rPr lang="en-US" dirty="0" smtClean="0"/>
+              <a:t>features.</a:t>
+            </a:r>
+            <a:endParaRPr lang="en-US" dirty="0"/>
           </a:p>
         </p:txBody>
       </p:sp>
@@ -5509,9 +6412,10 @@
           <a:lstStyle/>
           <a:p>
             <a:r>
-              <a:rPr lang="en-US" dirty="0"/>
-              <a:t>Baseline Implementations (for comparison)</a:t>
-            </a:r>
+              <a:rPr lang="en-US" dirty="0" smtClean="0"/>
+              <a:t>Library Baselines</a:t>
+            </a:r>
+            <a:endParaRPr lang="en-US" dirty="0"/>
           </a:p>
         </p:txBody>
       </p:sp>
@@ -5546,32 +6450,36 @@
             </a:r>
             <a:r>
               <a:rPr lang="en-US" dirty="0"/>
-              <a:t> Support Vector Machines</a:t>
+              <a:t> Support Vector </a:t>
+            </a:r>
+            <a:r>
+              <a:rPr lang="en-US" dirty="0" smtClean="0"/>
+              <a:t>Machine</a:t>
             </a:r>
           </a:p>
           <a:p>
             <a:pPr lvl="1"/>
             <a:r>
+              <a:rPr lang="en-US" dirty="0" smtClean="0"/>
+              <a:t>Linear SVM</a:t>
+            </a:r>
+            <a:endParaRPr lang="en-US" dirty="0"/>
+          </a:p>
+          <a:p>
+            <a:pPr lvl="1"/>
+            <a:r>
+              <a:rPr lang="en-US" dirty="0" smtClean="0"/>
+              <a:t>SVM with Radial </a:t>
+            </a:r>
+            <a:r>
               <a:rPr lang="en-US" dirty="0"/>
-              <a:t>Radial Basis Function Kernel</a:t>
-            </a:r>
-          </a:p>
-          <a:p>
-            <a:pPr lvl="1"/>
-            <a:r>
-              <a:rPr lang="en-US" dirty="0"/>
-              <a:t>Linear Kernel</a:t>
-            </a:r>
-          </a:p>
-          <a:p>
-            <a:r>
-              <a:rPr lang="en-US" dirty="0" err="1"/>
-              <a:t>TensorFlow</a:t>
-            </a:r>
-            <a:r>
-              <a:rPr lang="en-US" dirty="0"/>
-              <a:t> Convolutional Neural Network</a:t>
-            </a:r>
+              <a:t>Basis Function </a:t>
+            </a:r>
+            <a:r>
+              <a:rPr lang="en-US" dirty="0" smtClean="0"/>
+              <a:t>Kernel</a:t>
+            </a:r>
+            <a:endParaRPr lang="en-US" dirty="0"/>
           </a:p>
         </p:txBody>
       </p:sp>
@@ -5622,8 +6530,13 @@
           <a:p>
             <a:r>
               <a:rPr lang="en-US" dirty="0"/>
-              <a:t>Methods We Implemented</a:t>
-            </a:r>
+              <a:t>Methods We </a:t>
+            </a:r>
+            <a:r>
+              <a:rPr lang="en-US" dirty="0" smtClean="0"/>
+              <a:t>Implemented From Scratch</a:t>
+            </a:r>
+            <a:endParaRPr lang="en-US" dirty="0"/>
           </a:p>
         </p:txBody>
       </p:sp>
@@ -5643,15 +6556,12 @@
           <a:lstStyle/>
           <a:p>
             <a:r>
+              <a:rPr lang="en-US" dirty="0" smtClean="0"/>
+              <a:t>K-Nearest </a:t>
+            </a:r>
+            <a:r>
               <a:rPr lang="en-US" dirty="0"/>
-              <a:t>Nearest Neighbors Regression using two classification methods</a:t>
-            </a:r>
-          </a:p>
-          <a:p>
-            <a:pPr lvl="1"/>
-            <a:r>
-              <a:rPr lang="en-US" dirty="0"/>
-              <a:t>Classification based on the classification with the lowest average distance from the query point amongst the k nearest neighbors</a:t>
+              <a:t>Neighbors Regression using two classification methods</a:t>
             </a:r>
           </a:p>
           <a:p>
@@ -5661,6 +6571,21 @@
               <a:t>Classification based on the </a:t>
             </a:r>
             <a:r>
+              <a:rPr lang="en-US" dirty="0" smtClean="0"/>
+              <a:t>digit with </a:t>
+            </a:r>
+            <a:r>
+              <a:rPr lang="en-US" dirty="0"/>
+              <a:t>the lowest average distance from the query point amongst the k nearest neighbors</a:t>
+            </a:r>
+          </a:p>
+          <a:p>
+            <a:pPr lvl="1"/>
+            <a:r>
+              <a:rPr lang="en-US" dirty="0"/>
+              <a:t>Classification based on the </a:t>
+            </a:r>
+            <a:r>
               <a:rPr lang="en-US" dirty="0" err="1"/>
               <a:t>Nadaraya</a:t>
             </a:r>
@@ -5678,9 +6603,33 @@
           <a:p>
             <a:pPr lvl="1"/>
             <a:r>
-              <a:rPr lang="en-US" dirty="0"/>
-              <a:t>PEGASOS</a:t>
-            </a:r>
+              <a:rPr lang="en-US" dirty="0" smtClean="0"/>
+              <a:t>PEGASOS: Primal Estimated sub-</a:t>
+            </a:r>
+            <a:r>
+              <a:rPr lang="en-US" dirty="0" err="1" smtClean="0"/>
+              <a:t>GrAdient</a:t>
+            </a:r>
+            <a:r>
+              <a:rPr lang="en-US" dirty="0" smtClean="0"/>
+              <a:t> </a:t>
+            </a:r>
+            <a:r>
+              <a:rPr lang="en-US" dirty="0" err="1" smtClean="0"/>
+              <a:t>SOlver</a:t>
+            </a:r>
+            <a:r>
+              <a:rPr lang="en-US" dirty="0" smtClean="0"/>
+              <a:t> for SVM</a:t>
+            </a:r>
+          </a:p>
+          <a:p>
+            <a:pPr lvl="1"/>
+            <a:r>
+              <a:rPr lang="en-US" dirty="0" smtClean="0"/>
+              <a:t>RBF Kernel Approximation with Random Fourier Features</a:t>
+            </a:r>
+            <a:endParaRPr lang="en-US" dirty="0" smtClean="0"/>
           </a:p>
           <a:p>
             <a:endParaRPr lang="en-US" dirty="0"/>
@@ -5781,7 +6730,7 @@
         <p:spPr>
           <a:xfrm>
             <a:off x="1569720" y="5471160"/>
-            <a:ext cx="4053840" cy="1200329"/>
+            <a:ext cx="4053840" cy="923330"/>
           </a:xfrm>
           <a:prstGeom prst="rect">
             <a:avLst/>
@@ -5796,8 +6745,13 @@
           <a:p>
             <a:r>
               <a:rPr lang="en-US" dirty="0"/>
-              <a:t>Classification error calculated via cross validation, and found that a k of 1 was optimal. Cross validation was done over a training block of 2000 rows.</a:t>
-            </a:r>
+              <a:t>Classification error calculated via cross validation, and found that a k of 1 was optimal</a:t>
+            </a:r>
+            <a:r>
+              <a:rPr lang="en-US" dirty="0" smtClean="0"/>
+              <a:t>.</a:t>
+            </a:r>
+            <a:endParaRPr lang="en-US" dirty="0"/>
           </a:p>
         </p:txBody>
       </p:sp>
@@ -5809,7 +6763,7 @@
         </p:nvSpPr>
         <p:spPr>
           <a:xfrm>
-            <a:off x="6781800" y="2226829"/>
+            <a:off x="6324611" y="2226829"/>
             <a:ext cx="4434840" cy="2585323"/>
           </a:xfrm>
           <a:prstGeom prst="rect">
@@ -5976,7 +6930,6 @@
               <a:rPr lang="en-US" dirty="0"/>
               <a:t>We found that the Linear SVM had a markedly lower validation error than the RBF SVM. We were surprised by this. The best C value, according to our cross-validation, was C = 1, but we're skeptical that variations in validation error are due to C value rather than variations in validation blocks because the differences in error are so small. Regardless, we'll build a Linear SVM model with C = 1  and an RBF SVM model with C = 100 with 20000 rows of our training set (for runtime purposes) and calculate test error.</a:t>
             </a:r>
-            <a:endParaRPr lang="en-US" dirty="0"/>
           </a:p>
         </p:txBody>
       </p:sp>
@@ -6026,9 +6979,10 @@
           <a:lstStyle/>
           <a:p>
             <a:r>
-              <a:rPr lang="en-US" dirty="0"/>
-              <a:t>K-Nearest Neighbors (Our Implementation)</a:t>
-            </a:r>
+              <a:rPr lang="en-US" dirty="0" smtClean="0"/>
+              <a:t>Our K-Nearest Neighbors</a:t>
+            </a:r>
+            <a:endParaRPr lang="en-US" dirty="0"/>
           </a:p>
         </p:txBody>
       </p:sp>
@@ -6193,63 +7147,80 @@
           <a:lstStyle/>
           <a:p>
             <a:r>
-              <a:rPr lang="en-US" dirty="0"/>
-              <a:t>Test Error</a:t>
-            </a:r>
-          </a:p>
-        </p:txBody>
-      </p:sp>
-      <p:graphicFrame>
-        <p:nvGraphicFramePr>
-          <p:cNvPr id="13" name="Content Placeholder 12"/>
-          <p:cNvGraphicFramePr>
-            <a:graphicFrameLocks noGrp="1"/>
-          </p:cNvGraphicFramePr>
+              <a:rPr lang="en-US" dirty="0" smtClean="0"/>
+              <a:t>Our SVM</a:t>
+            </a:r>
+            <a:endParaRPr lang="en-US" dirty="0"/>
+          </a:p>
+        </p:txBody>
+      </p:sp>
+      <p:sp>
+        <p:nvSpPr>
+          <p:cNvPr id="3" name="Content Placeholder 2"/>
+          <p:cNvSpPr>
+            <a:spLocks noGrp="1"/>
+          </p:cNvSpPr>
           <p:nvPr>
             <p:ph idx="1"/>
-            <p:extLst>
-              <p:ext uri="{D42A27DB-BD31-4B8C-83A1-F6EECF244321}">
-                <p14:modId xmlns:p14="http://schemas.microsoft.com/office/powerpoint/2010/main" val="345500807"/>
-              </p:ext>
-            </p:extLst>
-          </p:nvPr>
-        </p:nvGraphicFramePr>
-        <p:xfrm>
-          <a:off x="838200" y="1539240"/>
-          <a:ext cx="2956560" cy="4637722"/>
-        </p:xfrm>
-        <a:graphic>
-          <a:graphicData uri="http://schemas.openxmlformats.org/drawingml/2006/chart">
-            <c:chart xmlns:c="http://schemas.openxmlformats.org/drawingml/2006/chart" xmlns:r="http://schemas.openxmlformats.org/officeDocument/2006/relationships" r:id="rId2"/>
-          </a:graphicData>
-        </a:graphic>
-      </p:graphicFrame>
-      <p:graphicFrame>
-        <p:nvGraphicFramePr>
-          <p:cNvPr id="16" name="Chart 15"/>
-          <p:cNvGraphicFramePr/>
-          <p:nvPr>
-            <p:extLst>
-              <p:ext uri="{D42A27DB-BD31-4B8C-83A1-F6EECF244321}">
-                <p14:modId xmlns:p14="http://schemas.microsoft.com/office/powerpoint/2010/main" val="1848590361"/>
-              </p:ext>
-            </p:extLst>
-          </p:nvPr>
-        </p:nvGraphicFramePr>
-        <p:xfrm>
-          <a:off x="3794760" y="1690688"/>
-          <a:ext cx="3901440" cy="4583853"/>
-        </p:xfrm>
-        <a:graphic>
-          <a:graphicData uri="http://schemas.openxmlformats.org/drawingml/2006/chart">
-            <c:chart xmlns:c="http://schemas.openxmlformats.org/drawingml/2006/chart" xmlns:r="http://schemas.openxmlformats.org/officeDocument/2006/relationships" r:id="rId3"/>
-          </a:graphicData>
-        </a:graphic>
-      </p:graphicFrame>
+          </p:nvPr>
+        </p:nvSpPr>
+        <p:spPr/>
+        <p:txBody>
+          <a:bodyPr/>
+          <a:lstStyle/>
+          <a:p>
+            <a:r>
+              <a:rPr lang="en-US" dirty="0" smtClean="0"/>
+              <a:t>Standard linear SVM</a:t>
+            </a:r>
+          </a:p>
+          <a:p>
+            <a:pPr lvl="1"/>
+            <a:r>
+              <a:rPr lang="en-US" dirty="0" smtClean="0"/>
+              <a:t>Trained with stochastic gradient descent</a:t>
+            </a:r>
+          </a:p>
+          <a:p>
+            <a:pPr lvl="1"/>
+            <a:r>
+              <a:rPr lang="en-US" dirty="0" smtClean="0"/>
+              <a:t>Tuned hyper-parameters with cross validation</a:t>
+            </a:r>
+            <a:endParaRPr lang="en-US" dirty="0"/>
+          </a:p>
+          <a:p>
+            <a:r>
+              <a:rPr lang="en-US" dirty="0" smtClean="0"/>
+              <a:t>PEGASOS</a:t>
+            </a:r>
+          </a:p>
+          <a:p>
+            <a:pPr lvl="1"/>
+            <a:r>
+              <a:rPr lang="en-US" dirty="0" smtClean="0"/>
+              <a:t>Tuned hyper-parameters with cross validation</a:t>
+            </a:r>
+          </a:p>
+          <a:p>
+            <a:r>
+              <a:rPr lang="en-US" dirty="0" smtClean="0"/>
+              <a:t>RBF kernel approximation with Random Fourier Features</a:t>
+            </a:r>
+          </a:p>
+          <a:p>
+            <a:pPr lvl="1"/>
+            <a:r>
+              <a:rPr lang="en-US" dirty="0" smtClean="0"/>
+              <a:t>Similar to what we found in the baseline, the RBF kernel hurts performance a lot</a:t>
+            </a:r>
+          </a:p>
+        </p:txBody>
+      </p:sp>
     </p:spTree>
     <p:extLst>
       <p:ext uri="{BB962C8B-B14F-4D97-AF65-F5344CB8AC3E}">
-        <p14:creationId xmlns:p14="http://schemas.microsoft.com/office/powerpoint/2010/main" val="549368357"/>
+        <p14:creationId xmlns:p14="http://schemas.microsoft.com/office/powerpoint/2010/main" val="566894485"/>
       </p:ext>
     </p:extLst>
   </p:cSld>

--- a/A Comparison of Techniques Applied to Digit Recognition.pptx
+++ b/A Comparison of Techniques Applied to Digit Recognition.pptx
@@ -18,8 +18,9 @@
     <p:sldId id="269" r:id="rId12"/>
     <p:sldId id="268" r:id="rId13"/>
     <p:sldId id="265" r:id="rId14"/>
-    <p:sldId id="262" r:id="rId15"/>
-    <p:sldId id="266" r:id="rId16"/>
+    <p:sldId id="271" r:id="rId15"/>
+    <p:sldId id="262" r:id="rId16"/>
+    <p:sldId id="266" r:id="rId17"/>
   </p:sldIdLst>
   <p:sldSz cx="12192000" cy="6858000"/>
   <p:notesSz cx="6858000" cy="9144000"/>
@@ -423,11 +424,11 @@
         </c:dLbls>
         <c:gapWidth val="219"/>
         <c:overlap val="-27"/>
-        <c:axId val="-124670992"/>
-        <c:axId val="-124668272"/>
+        <c:axId val="585638912"/>
+        <c:axId val="585514464"/>
       </c:barChart>
       <c:catAx>
-        <c:axId val="-124670992"/>
+        <c:axId val="585638912"/>
         <c:scaling>
           <c:orientation val="minMax"/>
         </c:scaling>
@@ -470,7 +471,7 @@
             <a:endParaRPr lang="en-US"/>
           </a:p>
         </c:txPr>
-        <c:crossAx val="-124668272"/>
+        <c:crossAx val="585514464"/>
         <c:crosses val="autoZero"/>
         <c:auto val="1"/>
         <c:lblAlgn val="ctr"/>
@@ -478,7 +479,7 @@
         <c:noMultiLvlLbl val="0"/>
       </c:catAx>
       <c:valAx>
-        <c:axId val="-124668272"/>
+        <c:axId val="585514464"/>
         <c:scaling>
           <c:orientation val="minMax"/>
         </c:scaling>
@@ -529,7 +530,7 @@
             <a:endParaRPr lang="en-US"/>
           </a:p>
         </c:txPr>
-        <c:crossAx val="-124670992"/>
+        <c:crossAx val="585638912"/>
         <c:crosses val="autoZero"/>
         <c:crossBetween val="between"/>
       </c:valAx>
@@ -848,11 +849,11 @@
         </c:dLbls>
         <c:gapWidth val="219"/>
         <c:overlap val="-27"/>
-        <c:axId val="-159775104"/>
-        <c:axId val="-159771568"/>
+        <c:axId val="586069440"/>
+        <c:axId val="586108448"/>
       </c:barChart>
       <c:catAx>
-        <c:axId val="-159775104"/>
+        <c:axId val="586069440"/>
         <c:scaling>
           <c:orientation val="minMax"/>
         </c:scaling>
@@ -895,7 +896,7 @@
             <a:endParaRPr lang="en-US"/>
           </a:p>
         </c:txPr>
-        <c:crossAx val="-159771568"/>
+        <c:crossAx val="586108448"/>
         <c:crosses val="autoZero"/>
         <c:auto val="1"/>
         <c:lblAlgn val="ctr"/>
@@ -903,7 +904,7 @@
         <c:noMultiLvlLbl val="0"/>
       </c:catAx>
       <c:valAx>
-        <c:axId val="-159771568"/>
+        <c:axId val="586108448"/>
         <c:scaling>
           <c:orientation val="minMax"/>
         </c:scaling>
@@ -954,7 +955,7 @@
             <a:endParaRPr lang="en-US"/>
           </a:p>
         </c:txPr>
-        <c:crossAx val="-159775104"/>
+        <c:crossAx val="586069440"/>
         <c:crosses val="autoZero"/>
         <c:crossBetween val="between"/>
       </c:valAx>
@@ -2240,7 +2241,7 @@
           <a:p>
             <a:fld id="{DF0A0AD1-110A-4530-B615-5C0FBD7C2A2E}" type="datetimeFigureOut">
               <a:rPr lang="en-US" smtClean="0"/>
-              <a:t>3/9/17</a:t>
+              <a:t>3/10/17</a:t>
             </a:fld>
             <a:endParaRPr lang="en-US"/>
           </a:p>
@@ -2408,7 +2409,7 @@
           <a:p>
             <a:fld id="{DF0A0AD1-110A-4530-B615-5C0FBD7C2A2E}" type="datetimeFigureOut">
               <a:rPr lang="en-US" smtClean="0"/>
-              <a:t>3/9/17</a:t>
+              <a:t>3/10/17</a:t>
             </a:fld>
             <a:endParaRPr lang="en-US"/>
           </a:p>
@@ -2586,7 +2587,7 @@
           <a:p>
             <a:fld id="{DF0A0AD1-110A-4530-B615-5C0FBD7C2A2E}" type="datetimeFigureOut">
               <a:rPr lang="en-US" smtClean="0"/>
-              <a:t>3/9/17</a:t>
+              <a:t>3/10/17</a:t>
             </a:fld>
             <a:endParaRPr lang="en-US"/>
           </a:p>
@@ -2754,7 +2755,7 @@
           <a:p>
             <a:fld id="{DF0A0AD1-110A-4530-B615-5C0FBD7C2A2E}" type="datetimeFigureOut">
               <a:rPr lang="en-US" smtClean="0"/>
-              <a:t>3/9/17</a:t>
+              <a:t>3/10/17</a:t>
             </a:fld>
             <a:endParaRPr lang="en-US"/>
           </a:p>
@@ -2999,7 +3000,7 @@
           <a:p>
             <a:fld id="{DF0A0AD1-110A-4530-B615-5C0FBD7C2A2E}" type="datetimeFigureOut">
               <a:rPr lang="en-US" smtClean="0"/>
-              <a:t>3/9/17</a:t>
+              <a:t>3/10/17</a:t>
             </a:fld>
             <a:endParaRPr lang="en-US"/>
           </a:p>
@@ -3228,7 +3229,7 @@
           <a:p>
             <a:fld id="{DF0A0AD1-110A-4530-B615-5C0FBD7C2A2E}" type="datetimeFigureOut">
               <a:rPr lang="en-US" smtClean="0"/>
-              <a:t>3/9/17</a:t>
+              <a:t>3/10/17</a:t>
             </a:fld>
             <a:endParaRPr lang="en-US"/>
           </a:p>
@@ -3592,7 +3593,7 @@
           <a:p>
             <a:fld id="{DF0A0AD1-110A-4530-B615-5C0FBD7C2A2E}" type="datetimeFigureOut">
               <a:rPr lang="en-US" smtClean="0"/>
-              <a:t>3/9/17</a:t>
+              <a:t>3/10/17</a:t>
             </a:fld>
             <a:endParaRPr lang="en-US"/>
           </a:p>
@@ -3709,7 +3710,7 @@
           <a:p>
             <a:fld id="{DF0A0AD1-110A-4530-B615-5C0FBD7C2A2E}" type="datetimeFigureOut">
               <a:rPr lang="en-US" smtClean="0"/>
-              <a:t>3/9/17</a:t>
+              <a:t>3/10/17</a:t>
             </a:fld>
             <a:endParaRPr lang="en-US"/>
           </a:p>
@@ -3804,7 +3805,7 @@
           <a:p>
             <a:fld id="{DF0A0AD1-110A-4530-B615-5C0FBD7C2A2E}" type="datetimeFigureOut">
               <a:rPr lang="en-US" smtClean="0"/>
-              <a:t>3/9/17</a:t>
+              <a:t>3/10/17</a:t>
             </a:fld>
             <a:endParaRPr lang="en-US"/>
           </a:p>
@@ -4079,7 +4080,7 @@
           <a:p>
             <a:fld id="{DF0A0AD1-110A-4530-B615-5C0FBD7C2A2E}" type="datetimeFigureOut">
               <a:rPr lang="en-US" smtClean="0"/>
-              <a:t>3/9/17</a:t>
+              <a:t>3/10/17</a:t>
             </a:fld>
             <a:endParaRPr lang="en-US"/>
           </a:p>
@@ -4331,7 +4332,7 @@
           <a:p>
             <a:fld id="{DF0A0AD1-110A-4530-B615-5C0FBD7C2A2E}" type="datetimeFigureOut">
               <a:rPr lang="en-US" smtClean="0"/>
-              <a:t>3/9/17</a:t>
+              <a:t>3/10/17</a:t>
             </a:fld>
             <a:endParaRPr lang="en-US"/>
           </a:p>
@@ -4542,7 +4543,7 @@
           <a:p>
             <a:fld id="{DF0A0AD1-110A-4530-B615-5C0FBD7C2A2E}" type="datetimeFigureOut">
               <a:rPr lang="en-US" smtClean="0"/>
-              <a:t>3/9/17</a:t>
+              <a:t>3/10/17</a:t>
             </a:fld>
             <a:endParaRPr lang="en-US"/>
           </a:p>
@@ -5285,7 +5286,7 @@
             <p:ph idx="1"/>
             <p:extLst>
               <p:ext uri="{D42A27DB-BD31-4B8C-83A1-F6EECF244321}">
-                <p14:modId xmlns:p14="http://schemas.microsoft.com/office/powerpoint/2010/main" val="1222405253"/>
+                <p14:modId xmlns:p14="http://schemas.microsoft.com/office/powerpoint/2010/main" val="520868366"/>
               </p:ext>
             </p:extLst>
           </p:nvPr>
@@ -5357,6 +5358,10 @@
                       <a:r>
                         <a:rPr lang="en-US" dirty="0" err="1" smtClean="0"/>
                         <a:t>SciKit</a:t>
+                      </a:r>
+                      <a:r>
+                        <a:rPr lang="en-US" baseline="0" smtClean="0"/>
+                        <a:t> 1-NN</a:t>
                       </a:r>
                       <a:endParaRPr lang="en-US" dirty="0"/>
                     </a:p>
@@ -5594,11 +5599,7 @@
                       </a:r>
                       <a:r>
                         <a:rPr lang="en-US" dirty="0" smtClean="0"/>
-                        <a:t> </a:t>
-                      </a:r>
-                      <a:r>
-                        <a:rPr lang="en-US" dirty="0" smtClean="0"/>
-                        <a:t>Linear</a:t>
+                        <a:t> Linear</a:t>
                       </a:r>
                       <a:endParaRPr lang="en-US" dirty="0"/>
                     </a:p>
@@ -5907,7 +5908,15 @@
             </a:r>
             <a:r>
               <a:rPr lang="en-US" dirty="0"/>
-              <a:t> and Malik utilized the RBF kernel</a:t>
+              <a:t> and Malik </a:t>
+            </a:r>
+            <a:r>
+              <a:rPr lang="en-US" dirty="0" smtClean="0"/>
+              <a:t>[2] utilized </a:t>
+            </a:r>
+            <a:r>
+              <a:rPr lang="en-US" dirty="0"/>
+              <a:t>the RBF kernel</a:t>
             </a:r>
           </a:p>
           <a:p>
@@ -5969,6 +5978,146 @@
           <a:lstStyle/>
           <a:p>
             <a:r>
+              <a:rPr lang="en-US" dirty="0" smtClean="0"/>
+              <a:t>References</a:t>
+            </a:r>
+            <a:endParaRPr lang="en-US" dirty="0"/>
+          </a:p>
+        </p:txBody>
+      </p:sp>
+      <p:sp>
+        <p:nvSpPr>
+          <p:cNvPr id="3" name="Content Placeholder 2"/>
+          <p:cNvSpPr>
+            <a:spLocks noGrp="1"/>
+          </p:cNvSpPr>
+          <p:nvPr>
+            <p:ph idx="1"/>
+          </p:nvPr>
+        </p:nvSpPr>
+        <p:spPr/>
+        <p:txBody>
+          <a:bodyPr/>
+          <a:lstStyle/>
+          <a:p>
+            <a:r>
+              <a:rPr lang="en-US" dirty="0"/>
+              <a:t> [1] </a:t>
+            </a:r>
+            <a:r>
+              <a:rPr lang="en-US" dirty="0" err="1"/>
+              <a:t>LeCun</a:t>
+            </a:r>
+            <a:r>
+              <a:rPr lang="en-US" dirty="0"/>
+              <a:t>, Yann, et al. "Comparison of learning algorithms for handwritten  digit recognition." International conference on artificial neural networks.  Vol. 60. </a:t>
+            </a:r>
+            <a:r>
+              <a:rPr lang="en-US" dirty="0" smtClean="0"/>
+              <a:t>1995.</a:t>
+            </a:r>
+          </a:p>
+          <a:p>
+            <a:r>
+              <a:rPr lang="en-US" dirty="0" smtClean="0"/>
+              <a:t>[2</a:t>
+            </a:r>
+            <a:r>
+              <a:rPr lang="en-US" dirty="0"/>
+              <a:t>] </a:t>
+            </a:r>
+            <a:r>
+              <a:rPr lang="en-US" dirty="0" err="1"/>
+              <a:t>Maji</a:t>
+            </a:r>
+            <a:r>
+              <a:rPr lang="en-US" dirty="0"/>
+              <a:t>, </a:t>
+            </a:r>
+            <a:r>
+              <a:rPr lang="en-US" dirty="0" err="1"/>
+              <a:t>Subhransu</a:t>
+            </a:r>
+            <a:r>
+              <a:rPr lang="en-US" dirty="0"/>
+              <a:t>, and </a:t>
+            </a:r>
+            <a:r>
+              <a:rPr lang="en-US" dirty="0" err="1"/>
+              <a:t>Jitendra</a:t>
+            </a:r>
+            <a:r>
+              <a:rPr lang="en-US" dirty="0"/>
+              <a:t> Malik. "Fast and accurate digit  classification." EECS Department, University of California,  Berkeley, Tech. Rep. UCB/EECS-2009-159 (2009). </a:t>
+            </a:r>
+            <a:endParaRPr lang="en-US" dirty="0" smtClean="0"/>
+          </a:p>
+          <a:p>
+            <a:r>
+              <a:rPr lang="en-US" dirty="0" smtClean="0"/>
+              <a:t>[</a:t>
+            </a:r>
+            <a:r>
+              <a:rPr lang="en-US" dirty="0"/>
+              <a:t>3] </a:t>
+            </a:r>
+            <a:r>
+              <a:rPr lang="en-US" dirty="0" err="1"/>
+              <a:t>Sundaresan</a:t>
+            </a:r>
+            <a:r>
+              <a:rPr lang="en-US" dirty="0"/>
+              <a:t>, Vishnu, and Jasper Lin. "Recognizing Handwritten Digits and  Characters." (1998).</a:t>
+            </a:r>
+          </a:p>
+        </p:txBody>
+      </p:sp>
+    </p:spTree>
+    <p:extLst>
+      <p:ext uri="{BB962C8B-B14F-4D97-AF65-F5344CB8AC3E}">
+        <p14:creationId xmlns:p14="http://schemas.microsoft.com/office/powerpoint/2010/main" val="1835661301"/>
+      </p:ext>
+    </p:extLst>
+  </p:cSld>
+  <p:clrMapOvr>
+    <a:masterClrMapping/>
+  </p:clrMapOvr>
+</p:sld>
+</file>
+
+<file path=ppt/slides/slide15.xml><?xml version="1.0" encoding="utf-8"?>
+<p:sld xmlns:a="http://schemas.openxmlformats.org/drawingml/2006/main" xmlns:r="http://schemas.openxmlformats.org/officeDocument/2006/relationships" xmlns:p="http://schemas.openxmlformats.org/presentationml/2006/main">
+  <p:cSld>
+    <p:spTree>
+      <p:nvGrpSpPr>
+        <p:cNvPr id="1" name=""/>
+        <p:cNvGrpSpPr/>
+        <p:nvPr/>
+      </p:nvGrpSpPr>
+      <p:grpSpPr>
+        <a:xfrm>
+          <a:off x="0" y="0"/>
+          <a:ext cx="0" cy="0"/>
+          <a:chOff x="0" y="0"/>
+          <a:chExt cx="0" cy="0"/>
+        </a:xfrm>
+      </p:grpSpPr>
+      <p:sp>
+        <p:nvSpPr>
+          <p:cNvPr id="2" name="Title 1"/>
+          <p:cNvSpPr>
+            <a:spLocks noGrp="1"/>
+          </p:cNvSpPr>
+          <p:nvPr>
+            <p:ph type="title"/>
+          </p:nvPr>
+        </p:nvSpPr>
+        <p:spPr/>
+        <p:txBody>
+          <a:bodyPr/>
+          <a:lstStyle/>
+          <a:p>
+            <a:r>
               <a:rPr lang="en-US" dirty="0"/>
               <a:t>Test Error</a:t>
             </a:r>
@@ -6035,7 +6184,7 @@
 </p:sld>
 </file>
 
-<file path=ppt/slides/slide15.xml><?xml version="1.0" encoding="utf-8"?>
+<file path=ppt/slides/slide16.xml><?xml version="1.0" encoding="utf-8"?>
 <p:sld xmlns:a="http://schemas.openxmlformats.org/drawingml/2006/main" xmlns:r="http://schemas.openxmlformats.org/officeDocument/2006/relationships" xmlns:p="http://schemas.openxmlformats.org/presentationml/2006/main">
   <p:cSld>
     <p:spTree>
@@ -6360,9 +6509,19 @@
             </a:r>
             <a:r>
               <a:rPr lang="en-US" dirty="0" smtClean="0"/>
-              <a:t>features.</a:t>
-            </a:r>
-            <a:endParaRPr lang="en-US" dirty="0"/>
+              <a:t>features</a:t>
+            </a:r>
+            <a:r>
+              <a:rPr lang="en-US" dirty="0" smtClean="0"/>
+              <a:t>.</a:t>
+            </a:r>
+          </a:p>
+          <a:p>
+            <a:r>
+              <a:rPr lang="en-US" dirty="0" smtClean="0"/>
+              <a:t>Data is normalized and digits are centered</a:t>
+            </a:r>
+            <a:endParaRPr lang="en-US" dirty="0" smtClean="0"/>
           </a:p>
         </p:txBody>
       </p:sp>
@@ -6629,7 +6788,6 @@
               <a:rPr lang="en-US" dirty="0" smtClean="0"/>
               <a:t>RBF Kernel Approximation with Random Fourier Features</a:t>
             </a:r>
-            <a:endParaRPr lang="en-US" dirty="0" smtClean="0"/>
           </a:p>
           <a:p>
             <a:endParaRPr lang="en-US" dirty="0"/>
